--- a/SPL1_FinalExam_slides.pptx
+++ b/SPL1_FinalExam_slides.pptx
@@ -17,18 +17,16 @@
     <p:sldId id="269" r:id="rId11"/>
     <p:sldId id="270" r:id="rId12"/>
     <p:sldId id="258" r:id="rId13"/>
-    <p:sldId id="272" r:id="rId14"/>
-    <p:sldId id="273" r:id="rId15"/>
-    <p:sldId id="274" r:id="rId16"/>
-    <p:sldId id="260" r:id="rId17"/>
-    <p:sldId id="261" r:id="rId18"/>
-    <p:sldId id="275" r:id="rId19"/>
-    <p:sldId id="276" r:id="rId20"/>
-    <p:sldId id="264" r:id="rId21"/>
-    <p:sldId id="265" r:id="rId22"/>
-    <p:sldId id="266" r:id="rId23"/>
-    <p:sldId id="267" r:id="rId24"/>
-    <p:sldId id="268" r:id="rId25"/>
+    <p:sldId id="274" r:id="rId14"/>
+    <p:sldId id="260" r:id="rId15"/>
+    <p:sldId id="261" r:id="rId16"/>
+    <p:sldId id="275" r:id="rId17"/>
+    <p:sldId id="276" r:id="rId18"/>
+    <p:sldId id="264" r:id="rId19"/>
+    <p:sldId id="265" r:id="rId20"/>
+    <p:sldId id="266" r:id="rId21"/>
+    <p:sldId id="267" r:id="rId22"/>
+    <p:sldId id="268" r:id="rId23"/>
   </p:sldIdLst>
   <p:sldSz cx="9144000" cy="5143500" type="screen16x9"/>
   <p:notesSz cx="6858000" cy="9144000"/>
@@ -20239,616 +20237,6 @@
 </file>
 
 <file path=ppt/slides/slide10.xml><?xml version="1.0" encoding="utf-8"?>
-<p:sld xmlns:a="http://schemas.openxmlformats.org/drawingml/2006/main" xmlns:r="http://schemas.openxmlformats.org/officeDocument/2006/relationships" xmlns:p="http://schemas.openxmlformats.org/presentationml/2006/main">
-  <p:cSld>
-    <p:spTree>
-      <p:nvGrpSpPr>
-        <p:cNvPr id="1" name=""/>
-        <p:cNvGrpSpPr/>
-        <p:nvPr/>
-      </p:nvGrpSpPr>
-      <p:grpSpPr>
-        <a:xfrm>
-          <a:off x="0" y="0"/>
-          <a:ext cx="0" cy="0"/>
-          <a:chOff x="0" y="0"/>
-          <a:chExt cx="0" cy="0"/>
-        </a:xfrm>
-      </p:grpSpPr>
-      <p:sp>
-        <p:nvSpPr>
-          <p:cNvPr id="405" name="Google Shape;188;p28"/>
-          <p:cNvSpPr txBox="1"/>
-          <p:nvPr/>
-        </p:nvSpPr>
-        <p:spPr>
-          <a:xfrm>
-            <a:off x="592059" y="278949"/>
-            <a:ext cx="6782349" cy="690734"/>
-          </a:xfrm>
-          <a:prstGeom prst="rect">
-            <a:avLst/>
-          </a:prstGeom>
-          <a:noFill/>
-          <a:ln w="0">
-            <a:noFill/>
-          </a:ln>
-        </p:spPr>
-        <p:txBody>
-          <a:bodyPr tIns="91440" bIns="91440" anchor="b">
-            <a:noAutofit/>
-          </a:bodyPr>
-          <a:lstStyle/>
-          <a:p>
-            <a:pPr marL="285750" indent="-285750">
-              <a:buFont typeface="Wingdings" panose="05000000000000000000" pitchFamily="2" charset="2"/>
-              <a:buChar char="q"/>
-            </a:pPr>
-            <a:r>
-              <a:rPr lang="en-GB" sz="2400" b="1" dirty="0">
-                <a:solidFill>
-                  <a:schemeClr val="accent2">
-                    <a:lumMod val="25000"/>
-                  </a:schemeClr>
-                </a:solidFill>
-                <a:latin typeface="Exo 2"/>
-              </a:rPr>
-              <a:t>Buttons that will help a lot !</a:t>
-            </a:r>
-            <a:endParaRPr lang="en-US" sz="1800" b="0" strike="noStrike" spc="-1" dirty="0">
-              <a:solidFill>
-                <a:srgbClr val="000000"/>
-              </a:solidFill>
-              <a:latin typeface="Arial"/>
-            </a:endParaRPr>
-          </a:p>
-        </p:txBody>
-      </p:sp>
-      <p:sp>
-        <p:nvSpPr>
-          <p:cNvPr id="429" name="Google Shape;212;p28"/>
-          <p:cNvSpPr txBox="1"/>
-          <p:nvPr/>
-        </p:nvSpPr>
-        <p:spPr>
-          <a:xfrm>
-            <a:off x="8556840" y="4749840"/>
-            <a:ext cx="548280" cy="393120"/>
-          </a:xfrm>
-          <a:prstGeom prst="rect">
-            <a:avLst/>
-          </a:prstGeom>
-          <a:noFill/>
-          <a:ln w="0">
-            <a:noFill/>
-          </a:ln>
-        </p:spPr>
-        <p:txBody>
-          <a:bodyPr tIns="91440" bIns="91440">
-            <a:noAutofit/>
-          </a:bodyPr>
-          <a:lstStyle/>
-          <a:p>
-            <a:pPr algn="r">
-              <a:lnSpc>
-                <a:spcPct val="100000"/>
-              </a:lnSpc>
-              <a:tabLst>
-                <a:tab pos="0" algn="l"/>
-              </a:tabLst>
-            </a:pPr>
-            <a:fld id="{2AD349DC-5C03-4E5E-BD84-107774A88E0F}" type="slidenum">
-              <a:rPr lang="en" sz="1300" b="0" strike="noStrike" spc="-1">
-                <a:solidFill>
-                  <a:srgbClr val="434343"/>
-                </a:solidFill>
-                <a:latin typeface="Roboto Condensed Light"/>
-                <a:ea typeface="Roboto Condensed Light"/>
-              </a:rPr>
-              <a:t>10</a:t>
-            </a:fld>
-            <a:endParaRPr lang="en-US" sz="1300" b="0" strike="noStrike" spc="-1">
-              <a:latin typeface="Times New Roman"/>
-            </a:endParaRPr>
-          </a:p>
-        </p:txBody>
-      </p:sp>
-      <p:pic>
-        <p:nvPicPr>
-          <p:cNvPr id="4" name="Picture 3">
-            <a:extLst>
-              <a:ext uri="{FF2B5EF4-FFF2-40B4-BE49-F238E27FC236}">
-                <a16:creationId xmlns:a16="http://schemas.microsoft.com/office/drawing/2014/main" id="{D6E282A7-DCA7-427C-A46E-1F5A4DA29806}"/>
-              </a:ext>
-            </a:extLst>
-          </p:cNvPr>
-          <p:cNvPicPr>
-            <a:picLocks noChangeAspect="1"/>
-          </p:cNvPicPr>
-          <p:nvPr/>
-        </p:nvPicPr>
-        <p:blipFill>
-          <a:blip r:embed="rId2">
-            <a:extLst>
-              <a:ext uri="{28A0092B-C50C-407E-A947-70E740481C1C}">
-                <a14:useLocalDpi xmlns:a14="http://schemas.microsoft.com/office/drawing/2010/main" val="0"/>
-              </a:ext>
-            </a:extLst>
-          </a:blip>
-          <a:stretch>
-            <a:fillRect/>
-          </a:stretch>
-        </p:blipFill>
-        <p:spPr>
-          <a:xfrm>
-            <a:off x="763223" y="1617880"/>
-            <a:ext cx="644557" cy="628682"/>
-          </a:xfrm>
-          <a:prstGeom prst="rect">
-            <a:avLst/>
-          </a:prstGeom>
-        </p:spPr>
-      </p:pic>
-      <p:sp>
-        <p:nvSpPr>
-          <p:cNvPr id="8" name="Google Shape;188;p28">
-            <a:extLst>
-              <a:ext uri="{FF2B5EF4-FFF2-40B4-BE49-F238E27FC236}">
-                <a16:creationId xmlns:a16="http://schemas.microsoft.com/office/drawing/2014/main" id="{90F1C376-A51D-4423-BEE1-815A61B9FA6E}"/>
-              </a:ext>
-            </a:extLst>
-          </p:cNvPr>
-          <p:cNvSpPr txBox="1"/>
-          <p:nvPr/>
-        </p:nvSpPr>
-        <p:spPr>
-          <a:xfrm>
-            <a:off x="1774491" y="1617880"/>
-            <a:ext cx="6782349" cy="750350"/>
-          </a:xfrm>
-          <a:prstGeom prst="rect">
-            <a:avLst/>
-          </a:prstGeom>
-          <a:noFill/>
-          <a:ln w="0">
-            <a:noFill/>
-          </a:ln>
-        </p:spPr>
-        <p:txBody>
-          <a:bodyPr tIns="91440" bIns="91440" anchor="b">
-            <a:noAutofit/>
-          </a:bodyPr>
-          <a:lstStyle/>
-          <a:p>
-            <a:r>
-              <a:rPr lang="en-GB" sz="2400" spc="-1" dirty="0">
-                <a:solidFill>
-                  <a:schemeClr val="accent2">
-                    <a:lumMod val="25000"/>
-                  </a:schemeClr>
-                </a:solidFill>
-                <a:latin typeface="Arial"/>
-              </a:rPr>
-              <a:t>This is </a:t>
-            </a:r>
-            <a:r>
-              <a:rPr lang="en-GB" sz="2400" b="1" spc="-1" dirty="0">
-                <a:solidFill>
-                  <a:schemeClr val="accent2">
-                    <a:lumMod val="25000"/>
-                  </a:schemeClr>
-                </a:solidFill>
-                <a:latin typeface="Arial"/>
-              </a:rPr>
-              <a:t>Menu</a:t>
-            </a:r>
-            <a:r>
-              <a:rPr lang="en-GB" sz="2400" spc="-1" dirty="0">
-                <a:solidFill>
-                  <a:schemeClr val="accent2">
-                    <a:lumMod val="25000"/>
-                  </a:schemeClr>
-                </a:solidFill>
-                <a:latin typeface="Arial"/>
-              </a:rPr>
-              <a:t> button that will take user </a:t>
-            </a:r>
-          </a:p>
-          <a:p>
-            <a:r>
-              <a:rPr lang="en-GB" sz="2400" spc="-1" dirty="0">
-                <a:solidFill>
-                  <a:schemeClr val="accent2">
-                    <a:lumMod val="25000"/>
-                  </a:schemeClr>
-                </a:solidFill>
-                <a:latin typeface="Arial"/>
-              </a:rPr>
-              <a:t>to the graph algorithm names window</a:t>
-            </a:r>
-            <a:endParaRPr lang="en-US" sz="2400" b="0" strike="noStrike" spc="-1" dirty="0">
-              <a:solidFill>
-                <a:schemeClr val="accent2">
-                  <a:lumMod val="25000"/>
-                </a:schemeClr>
-              </a:solidFill>
-              <a:latin typeface="Arial"/>
-            </a:endParaRPr>
-          </a:p>
-        </p:txBody>
-      </p:sp>
-      <p:pic>
-        <p:nvPicPr>
-          <p:cNvPr id="7" name="Picture 6">
-            <a:extLst>
-              <a:ext uri="{FF2B5EF4-FFF2-40B4-BE49-F238E27FC236}">
-                <a16:creationId xmlns:a16="http://schemas.microsoft.com/office/drawing/2014/main" id="{DE21FD0E-E9CE-49D9-A9FB-F8EE3E8EE039}"/>
-              </a:ext>
-            </a:extLst>
-          </p:cNvPr>
-          <p:cNvPicPr>
-            <a:picLocks noChangeAspect="1"/>
-          </p:cNvPicPr>
-          <p:nvPr/>
-        </p:nvPicPr>
-        <p:blipFill>
-          <a:blip r:embed="rId3">
-            <a:extLst>
-              <a:ext uri="{28A0092B-C50C-407E-A947-70E740481C1C}">
-                <a14:useLocalDpi xmlns:a14="http://schemas.microsoft.com/office/drawing/2010/main" val="0"/>
-              </a:ext>
-            </a:extLst>
-          </a:blip>
-          <a:stretch>
-            <a:fillRect/>
-          </a:stretch>
-        </p:blipFill>
-        <p:spPr>
-          <a:xfrm>
-            <a:off x="2901209" y="3308944"/>
-            <a:ext cx="658429" cy="628682"/>
-          </a:xfrm>
-          <a:prstGeom prst="rect">
-            <a:avLst/>
-          </a:prstGeom>
-        </p:spPr>
-      </p:pic>
-      <p:sp>
-        <p:nvSpPr>
-          <p:cNvPr id="11" name="Google Shape;188;p28">
-            <a:extLst>
-              <a:ext uri="{FF2B5EF4-FFF2-40B4-BE49-F238E27FC236}">
-                <a16:creationId xmlns:a16="http://schemas.microsoft.com/office/drawing/2014/main" id="{61D34E4D-A18D-4939-9964-1FCB60A1EB5D}"/>
-              </a:ext>
-            </a:extLst>
-          </p:cNvPr>
-          <p:cNvSpPr txBox="1"/>
-          <p:nvPr/>
-        </p:nvSpPr>
-        <p:spPr>
-          <a:xfrm>
-            <a:off x="3836314" y="3144926"/>
-            <a:ext cx="5176708" cy="956717"/>
-          </a:xfrm>
-          <a:prstGeom prst="rect">
-            <a:avLst/>
-          </a:prstGeom>
-          <a:noFill/>
-          <a:ln w="0">
-            <a:noFill/>
-          </a:ln>
-        </p:spPr>
-        <p:txBody>
-          <a:bodyPr tIns="91440" bIns="91440" anchor="b">
-            <a:noAutofit/>
-          </a:bodyPr>
-          <a:lstStyle/>
-          <a:p>
-            <a:r>
-              <a:rPr lang="en-GB" sz="2400" b="0" strike="noStrike" spc="-1" dirty="0">
-                <a:solidFill>
-                  <a:schemeClr val="accent2">
-                    <a:lumMod val="25000"/>
-                  </a:schemeClr>
-                </a:solidFill>
-                <a:latin typeface="Arial"/>
-              </a:rPr>
-              <a:t>This </a:t>
-            </a:r>
-            <a:r>
-              <a:rPr lang="en-GB" sz="2400" b="1" strike="noStrike" spc="-1" dirty="0">
-                <a:solidFill>
-                  <a:schemeClr val="accent2">
-                    <a:lumMod val="25000"/>
-                  </a:schemeClr>
-                </a:solidFill>
-                <a:latin typeface="Arial"/>
-              </a:rPr>
-              <a:t>Previous window </a:t>
-            </a:r>
-            <a:r>
-              <a:rPr lang="en-GB" sz="2400" b="0" strike="noStrike" spc="-1" dirty="0">
-                <a:solidFill>
-                  <a:schemeClr val="accent2">
-                    <a:lumMod val="25000"/>
-                  </a:schemeClr>
-                </a:solidFill>
-                <a:latin typeface="Arial"/>
-              </a:rPr>
-              <a:t>button that will take user to the previous window</a:t>
-            </a:r>
-            <a:endParaRPr lang="en-US" sz="2400" b="0" strike="noStrike" spc="-1" dirty="0">
-              <a:solidFill>
-                <a:schemeClr val="accent2">
-                  <a:lumMod val="25000"/>
-                </a:schemeClr>
-              </a:solidFill>
-              <a:latin typeface="Arial"/>
-            </a:endParaRPr>
-          </a:p>
-        </p:txBody>
-      </p:sp>
-    </p:spTree>
-    <p:extLst>
-      <p:ext uri="{BB962C8B-B14F-4D97-AF65-F5344CB8AC3E}">
-        <p14:creationId xmlns:p14="http://schemas.microsoft.com/office/powerpoint/2010/main" val="3768827660"/>
-      </p:ext>
-    </p:extLst>
-  </p:cSld>
-  <p:clrMapOvr>
-    <a:masterClrMapping/>
-  </p:clrMapOvr>
-</p:sld>
-</file>
-
-<file path=ppt/slides/slide11.xml><?xml version="1.0" encoding="utf-8"?>
-<p:sld xmlns:a="http://schemas.openxmlformats.org/drawingml/2006/main" xmlns:r="http://schemas.openxmlformats.org/officeDocument/2006/relationships" xmlns:p="http://schemas.openxmlformats.org/presentationml/2006/main">
-  <p:cSld>
-    <p:spTree>
-      <p:nvGrpSpPr>
-        <p:cNvPr id="1" name=""/>
-        <p:cNvGrpSpPr/>
-        <p:nvPr/>
-      </p:nvGrpSpPr>
-      <p:grpSpPr>
-        <a:xfrm>
-          <a:off x="0" y="0"/>
-          <a:ext cx="0" cy="0"/>
-          <a:chOff x="0" y="0"/>
-          <a:chExt cx="0" cy="0"/>
-        </a:xfrm>
-      </p:grpSpPr>
-      <p:sp>
-        <p:nvSpPr>
-          <p:cNvPr id="405" name="Google Shape;188;p28"/>
-          <p:cNvSpPr txBox="1"/>
-          <p:nvPr/>
-        </p:nvSpPr>
-        <p:spPr>
-          <a:xfrm>
-            <a:off x="614977" y="292153"/>
-            <a:ext cx="5233236" cy="1069580"/>
-          </a:xfrm>
-          <a:prstGeom prst="rect">
-            <a:avLst/>
-          </a:prstGeom>
-          <a:noFill/>
-          <a:ln w="0">
-            <a:noFill/>
-          </a:ln>
-        </p:spPr>
-        <p:txBody>
-          <a:bodyPr tIns="91440" bIns="91440" anchor="b">
-            <a:noAutofit/>
-          </a:bodyPr>
-          <a:lstStyle/>
-          <a:p>
-            <a:pPr marL="285750" indent="-285750">
-              <a:buFont typeface="Wingdings" panose="05000000000000000000" pitchFamily="2" charset="2"/>
-              <a:buChar char="q"/>
-            </a:pPr>
-            <a:r>
-              <a:rPr lang="en-GB" sz="2400" b="1" strike="noStrike" spc="-1" dirty="0">
-                <a:solidFill>
-                  <a:schemeClr val="accent2">
-                    <a:lumMod val="25000"/>
-                  </a:schemeClr>
-                </a:solidFill>
-                <a:latin typeface="Exo 2"/>
-              </a:rPr>
-              <a:t>Clicking on the name</a:t>
-            </a:r>
-            <a:r>
-              <a:rPr lang="en-GB" sz="2400" b="1" spc="-1" dirty="0">
-                <a:solidFill>
-                  <a:schemeClr val="accent2">
-                    <a:lumMod val="25000"/>
-                  </a:schemeClr>
-                </a:solidFill>
-                <a:latin typeface="Exo 2"/>
-              </a:rPr>
-              <a:t>s will start the visualization process</a:t>
-            </a:r>
-            <a:endParaRPr lang="en-US" sz="1800" b="0" strike="noStrike" spc="-1" dirty="0">
-              <a:solidFill>
-                <a:srgbClr val="000000"/>
-              </a:solidFill>
-              <a:latin typeface="Arial"/>
-            </a:endParaRPr>
-          </a:p>
-        </p:txBody>
-      </p:sp>
-      <p:sp>
-        <p:nvSpPr>
-          <p:cNvPr id="429" name="Google Shape;212;p28"/>
-          <p:cNvSpPr txBox="1"/>
-          <p:nvPr/>
-        </p:nvSpPr>
-        <p:spPr>
-          <a:xfrm>
-            <a:off x="8556840" y="4749840"/>
-            <a:ext cx="548280" cy="393120"/>
-          </a:xfrm>
-          <a:prstGeom prst="rect">
-            <a:avLst/>
-          </a:prstGeom>
-          <a:noFill/>
-          <a:ln w="0">
-            <a:noFill/>
-          </a:ln>
-        </p:spPr>
-        <p:txBody>
-          <a:bodyPr tIns="91440" bIns="91440">
-            <a:noAutofit/>
-          </a:bodyPr>
-          <a:lstStyle/>
-          <a:p>
-            <a:pPr algn="r">
-              <a:lnSpc>
-                <a:spcPct val="100000"/>
-              </a:lnSpc>
-              <a:tabLst>
-                <a:tab pos="0" algn="l"/>
-              </a:tabLst>
-            </a:pPr>
-            <a:fld id="{2AD349DC-5C03-4E5E-BD84-107774A88E0F}" type="slidenum">
-              <a:rPr lang="en" sz="1300" b="0" strike="noStrike" spc="-1">
-                <a:solidFill>
-                  <a:srgbClr val="434343"/>
-                </a:solidFill>
-                <a:latin typeface="Roboto Condensed Light"/>
-                <a:ea typeface="Roboto Condensed Light"/>
-              </a:rPr>
-              <a:t>11</a:t>
-            </a:fld>
-            <a:endParaRPr lang="en-US" sz="1300" b="0" strike="noStrike" spc="-1">
-              <a:latin typeface="Times New Roman"/>
-            </a:endParaRPr>
-          </a:p>
-        </p:txBody>
-      </p:sp>
-      <p:pic>
-        <p:nvPicPr>
-          <p:cNvPr id="4" name="Picture 3">
-            <a:extLst>
-              <a:ext uri="{FF2B5EF4-FFF2-40B4-BE49-F238E27FC236}">
-                <a16:creationId xmlns:a16="http://schemas.microsoft.com/office/drawing/2014/main" id="{97A014FA-CC0D-48A9-9128-8536D847BCB1}"/>
-              </a:ext>
-            </a:extLst>
-          </p:cNvPr>
-          <p:cNvPicPr>
-            <a:picLocks noChangeAspect="1"/>
-          </p:cNvPicPr>
-          <p:nvPr/>
-        </p:nvPicPr>
-        <p:blipFill>
-          <a:blip r:embed="rId2">
-            <a:extLst>
-              <a:ext uri="{28A0092B-C50C-407E-A947-70E740481C1C}">
-                <a14:useLocalDpi xmlns:a14="http://schemas.microsoft.com/office/drawing/2010/main" val="0"/>
-              </a:ext>
-            </a:extLst>
-          </a:blip>
-          <a:stretch>
-            <a:fillRect/>
-          </a:stretch>
-        </p:blipFill>
-        <p:spPr>
-          <a:xfrm>
-            <a:off x="447609" y="1599776"/>
-            <a:ext cx="2525835" cy="1943948"/>
-          </a:xfrm>
-          <a:prstGeom prst="rect">
-            <a:avLst/>
-          </a:prstGeom>
-        </p:spPr>
-      </p:pic>
-      <p:pic>
-        <p:nvPicPr>
-          <p:cNvPr id="7" name="Picture 6">
-            <a:extLst>
-              <a:ext uri="{FF2B5EF4-FFF2-40B4-BE49-F238E27FC236}">
-                <a16:creationId xmlns:a16="http://schemas.microsoft.com/office/drawing/2014/main" id="{E187F74C-5FBB-471B-A441-BF50EDDB1299}"/>
-              </a:ext>
-            </a:extLst>
-          </p:cNvPr>
-          <p:cNvPicPr>
-            <a:picLocks noChangeAspect="1"/>
-          </p:cNvPicPr>
-          <p:nvPr/>
-        </p:nvPicPr>
-        <p:blipFill>
-          <a:blip r:embed="rId3">
-            <a:extLst>
-              <a:ext uri="{28A0092B-C50C-407E-A947-70E740481C1C}">
-                <a14:useLocalDpi xmlns:a14="http://schemas.microsoft.com/office/drawing/2010/main" val="0"/>
-              </a:ext>
-            </a:extLst>
-          </a:blip>
-          <a:stretch>
-            <a:fillRect/>
-          </a:stretch>
-        </p:blipFill>
-        <p:spPr>
-          <a:xfrm>
-            <a:off x="3231595" y="2316823"/>
-            <a:ext cx="2525836" cy="1943947"/>
-          </a:xfrm>
-          <a:prstGeom prst="rect">
-            <a:avLst/>
-          </a:prstGeom>
-        </p:spPr>
-      </p:pic>
-      <p:pic>
-        <p:nvPicPr>
-          <p:cNvPr id="11" name="Picture 10">
-            <a:extLst>
-              <a:ext uri="{FF2B5EF4-FFF2-40B4-BE49-F238E27FC236}">
-                <a16:creationId xmlns:a16="http://schemas.microsoft.com/office/drawing/2014/main" id="{4F402CD1-37E7-49F2-B75B-636C11504FB4}"/>
-              </a:ext>
-            </a:extLst>
-          </p:cNvPr>
-          <p:cNvPicPr>
-            <a:picLocks noChangeAspect="1"/>
-          </p:cNvPicPr>
-          <p:nvPr/>
-        </p:nvPicPr>
-        <p:blipFill>
-          <a:blip r:embed="rId4">
-            <a:extLst>
-              <a:ext uri="{28A0092B-C50C-407E-A947-70E740481C1C}">
-                <a14:useLocalDpi xmlns:a14="http://schemas.microsoft.com/office/drawing/2010/main" val="0"/>
-              </a:ext>
-            </a:extLst>
-          </a:blip>
-          <a:stretch>
-            <a:fillRect/>
-          </a:stretch>
-        </p:blipFill>
-        <p:spPr>
-          <a:xfrm>
-            <a:off x="6031005" y="2898912"/>
-            <a:ext cx="2525835" cy="1961715"/>
-          </a:xfrm>
-          <a:prstGeom prst="rect">
-            <a:avLst/>
-          </a:prstGeom>
-        </p:spPr>
-      </p:pic>
-    </p:spTree>
-    <p:extLst>
-      <p:ext uri="{BB962C8B-B14F-4D97-AF65-F5344CB8AC3E}">
-        <p14:creationId xmlns:p14="http://schemas.microsoft.com/office/powerpoint/2010/main" val="4156856634"/>
-      </p:ext>
-    </p:extLst>
-  </p:cSld>
-  <p:clrMapOvr>
-    <a:masterClrMapping/>
-  </p:clrMapOvr>
-</p:sld>
-</file>
-
-<file path=ppt/slides/slide12.xml><?xml version="1.0" encoding="utf-8"?>
 <p:sld xmlns:a="http://schemas.openxmlformats.org/drawingml/2006/main" xmlns:r="http://schemas.openxmlformats.org/officeDocument/2006/relationships" xmlns:p="http://schemas.openxmlformats.org/presentationml/2006/main">
   <p:cSld>
     <p:spTree>
@@ -21479,7 +20867,7 @@
                 <a:latin typeface="Roboto Condensed Light"/>
                 <a:ea typeface="Roboto Condensed Light"/>
               </a:rPr>
-              <a:t>12</a:t>
+              <a:t>10</a:t>
             </a:fld>
             <a:endParaRPr lang="en-US" sz="1300" b="0" strike="noStrike" spc="-1">
               <a:latin typeface="Times New Roman"/>
@@ -21578,7 +20966,7 @@
 </p:sld>
 </file>
 
-<file path=ppt/slides/slide13.xml><?xml version="1.0" encoding="utf-8"?>
+<file path=ppt/slides/slide11.xml><?xml version="1.0" encoding="utf-8"?>
 <p:sld xmlns:a="http://schemas.openxmlformats.org/drawingml/2006/main" xmlns:r="http://schemas.openxmlformats.org/officeDocument/2006/relationships" xmlns:p="http://schemas.openxmlformats.org/presentationml/2006/main">
   <p:cSld>
     <p:spTree>
@@ -21636,7 +21024,7 @@
                 <a:latin typeface="Roboto Condensed Light"/>
                 <a:ea typeface="Roboto Condensed Light"/>
               </a:rPr>
-              <a:t>13</a:t>
+              <a:t>11</a:t>
             </a:fld>
             <a:endParaRPr lang="en-US" sz="1300" b="0" strike="noStrike" spc="-1">
               <a:latin typeface="Times New Roman"/>
@@ -21802,7 +21190,7 @@
 </p:sld>
 </file>
 
-<file path=ppt/slides/slide14.xml><?xml version="1.0" encoding="utf-8"?>
+<file path=ppt/slides/slide12.xml><?xml version="1.0" encoding="utf-8"?>
 <p:sld xmlns:a="http://schemas.openxmlformats.org/drawingml/2006/main" xmlns:r="http://schemas.openxmlformats.org/officeDocument/2006/relationships" xmlns:p="http://schemas.openxmlformats.org/presentationml/2006/main">
   <p:cSld>
     <p:spTree>
@@ -22310,7 +21698,7 @@
                 <a:latin typeface="Roboto Condensed Light"/>
                 <a:ea typeface="Roboto Condensed Light"/>
               </a:rPr>
-              <a:t>14</a:t>
+              <a:t>12</a:t>
             </a:fld>
             <a:endParaRPr lang="en-US" sz="1300" b="0" strike="noStrike" spc="-1">
               <a:latin typeface="Times New Roman"/>
@@ -22326,7 +21714,7 @@
 </p:sld>
 </file>
 
-<file path=ppt/slides/slide15.xml><?xml version="1.0" encoding="utf-8"?>
+<file path=ppt/slides/slide13.xml><?xml version="1.0" encoding="utf-8"?>
 <p:sld xmlns:a="http://schemas.openxmlformats.org/drawingml/2006/main" xmlns:r="http://schemas.openxmlformats.org/officeDocument/2006/relationships" xmlns:p="http://schemas.openxmlformats.org/presentationml/2006/main">
   <p:cSld>
     <p:spTree>
@@ -22470,7 +21858,7 @@
                 <a:latin typeface="Roboto Condensed Light"/>
                 <a:ea typeface="Roboto Condensed Light"/>
               </a:rPr>
-              <a:t>15</a:t>
+              <a:t>13</a:t>
             </a:fld>
             <a:endParaRPr lang="en-US" sz="1300" b="0" strike="noStrike" spc="-1">
               <a:latin typeface="Times New Roman"/>
@@ -22702,16 +22090,6 @@
               <a:buChar char="Ø"/>
             </a:pPr>
             <a:r>
-              <a:rPr lang="en-GB" sz="2000" dirty="0">
-                <a:solidFill>
-                  <a:schemeClr val="accent2">
-                    <a:lumMod val="25000"/>
-                  </a:schemeClr>
-                </a:solidFill>
-              </a:rPr>
-              <a:t>Handling different graphs and try to </a:t>
-            </a:r>
-            <a:r>
               <a:rPr lang="en-GB" sz="2000" b="1" dirty="0">
                 <a:solidFill>
                   <a:schemeClr val="accent2">
@@ -22719,7 +22097,7 @@
                   </a:schemeClr>
                 </a:solidFill>
               </a:rPr>
-              <a:t>optimize</a:t>
+              <a:t>Handling</a:t>
             </a:r>
             <a:r>
               <a:rPr lang="en-GB" sz="2000" dirty="0">
@@ -22729,7 +22107,7 @@
                   </a:schemeClr>
                 </a:solidFill>
               </a:rPr>
-              <a:t> their performance</a:t>
+              <a:t> different graphs in a single graphical window</a:t>
             </a:r>
             <a:endParaRPr lang="en-US" sz="2000" dirty="0">
               <a:solidFill>
@@ -22756,7 +22134,7 @@
         <p:spPr>
           <a:xfrm>
             <a:off x="2476773" y="3780966"/>
-            <a:ext cx="6464392" cy="707886"/>
+            <a:ext cx="6469874" cy="707886"/>
           </a:xfrm>
           <a:prstGeom prst="rect">
             <a:avLst/>
@@ -22790,7 +22168,7 @@
                   </a:schemeClr>
                 </a:solidFill>
               </a:rPr>
-              <a:t>correctness</a:t>
+              <a:t>correctness of the visualization </a:t>
             </a:r>
             <a:r>
               <a:rPr lang="en-GB" sz="2000" dirty="0">
@@ -22800,7 +22178,7 @@
                   </a:schemeClr>
                 </a:solidFill>
               </a:rPr>
-              <a:t> of the algorithms and the graphical window</a:t>
+              <a:t>in the graphical window</a:t>
             </a:r>
             <a:endParaRPr lang="en-US" sz="2000" dirty="0">
               <a:solidFill>
@@ -22820,7 +22198,7 @@
 </p:sld>
 </file>
 
-<file path=ppt/slides/slide16.xml><?xml version="1.0" encoding="utf-8"?>
+<file path=ppt/slides/slide14.xml><?xml version="1.0" encoding="utf-8"?>
 <p:sld xmlns:a="http://schemas.openxmlformats.org/drawingml/2006/main" xmlns:r="http://schemas.openxmlformats.org/officeDocument/2006/relationships" xmlns:p="http://schemas.openxmlformats.org/presentationml/2006/main">
   <p:cSld>
     <p:spTree>
@@ -23035,7 +22413,7 @@
                 <a:latin typeface="Roboto Condensed Light"/>
                 <a:ea typeface="Roboto Condensed Light"/>
               </a:rPr>
-              <a:t>16</a:t>
+              <a:t>14</a:t>
             </a:fld>
             <a:endParaRPr lang="en-US" sz="1300" b="0" strike="noStrike" spc="-1">
               <a:latin typeface="Times New Roman"/>
@@ -24788,7 +24166,7 @@
         </p:nvSpPr>
         <p:spPr>
           <a:xfrm>
-            <a:off x="0" y="168443"/>
+            <a:off x="-124990" y="121738"/>
             <a:ext cx="9105120" cy="4824662"/>
           </a:xfrm>
           <a:prstGeom prst="rect">
@@ -24821,7 +24199,7 @@
                 <a:latin typeface="Roboto Condensed Light"/>
                 <a:ea typeface="Roboto Condensed Light"/>
               </a:rPr>
-              <a:t>			       # </a:t>
+              <a:t>			       			   # </a:t>
             </a:r>
             <a:r>
               <a:rPr lang="en-GB" sz="2400" b="1" spc="-1" dirty="0">
@@ -24831,7 +24209,7 @@
                 <a:latin typeface="Roboto Condensed Light"/>
                 <a:ea typeface="Roboto Condensed Light"/>
               </a:rPr>
-              <a:t>Depth-First Search (DFS): </a:t>
+              <a:t>DFS &amp; BFS </a:t>
             </a:r>
             <a:r>
               <a:rPr lang="en-GB" sz="2400" spc="-1" dirty="0">
@@ -24841,8 +24219,29 @@
                 <a:latin typeface="Roboto Condensed Light"/>
                 <a:ea typeface="Roboto Condensed Light"/>
               </a:rPr>
-              <a:t>Traverses a 				          graph by exploring as far as possible along 			          each branch before backtracking</a:t>
+              <a:t>algorithms are 						      used for graph traversal</a:t>
             </a:r>
+            <a:endParaRPr lang="en-GB" sz="2400" dirty="0">
+              <a:solidFill>
+                <a:schemeClr val="accent2">
+                  <a:lumMod val="25000"/>
+                </a:schemeClr>
+              </a:solidFill>
+            </a:endParaRPr>
+          </a:p>
+          <a:p>
+            <a:pPr>
+              <a:tabLst>
+                <a:tab pos="0" algn="l"/>
+              </a:tabLst>
+            </a:pPr>
+            <a:endParaRPr lang="en-GB" sz="2400" dirty="0">
+              <a:solidFill>
+                <a:schemeClr val="accent2">
+                  <a:lumMod val="25000"/>
+                </a:schemeClr>
+              </a:solidFill>
+            </a:endParaRPr>
           </a:p>
           <a:p>
             <a:pPr>
@@ -24853,19 +24252,196 @@
                 <a:tab pos="0" algn="l"/>
               </a:tabLst>
             </a:pPr>
-            <a:endParaRPr lang="en-GB" sz="2400" spc="-1" dirty="0">
-              <a:solidFill>
-                <a:srgbClr val="434343"/>
-              </a:solidFill>
-              <a:latin typeface="Roboto Condensed Light"/>
-            </a:endParaRPr>
+            <a:r>
+              <a:rPr lang="en-GB" sz="2400" spc="-1" dirty="0">
+                <a:solidFill>
+                  <a:srgbClr val="434343"/>
+                </a:solidFill>
+                <a:latin typeface="Roboto Condensed Light"/>
+                <a:ea typeface="Roboto Condensed Light"/>
+              </a:rPr>
+              <a:t>				#</a:t>
+            </a:r>
+            <a:r>
+              <a:rPr lang="en-GB" sz="2400" b="1" spc="-1" dirty="0">
+                <a:solidFill>
+                  <a:srgbClr val="434343"/>
+                </a:solidFill>
+                <a:latin typeface="Roboto Condensed Light"/>
+                <a:ea typeface="Roboto Condensed Light"/>
+              </a:rPr>
+              <a:t> Dijkstra’s, Bellman Ford, Johnson’s</a:t>
+            </a:r>
           </a:p>
           <a:p>
             <a:pPr>
+              <a:lnSpc>
+                <a:spcPct val="100000"/>
+              </a:lnSpc>
               <a:tabLst>
                 <a:tab pos="0" algn="l"/>
               </a:tabLst>
             </a:pPr>
+            <a:r>
+              <a:rPr lang="en-GB" sz="2400" b="1" spc="-1" dirty="0">
+                <a:solidFill>
+                  <a:srgbClr val="434343"/>
+                </a:solidFill>
+                <a:latin typeface="Roboto Condensed Light"/>
+                <a:ea typeface="Roboto Condensed Light"/>
+              </a:rPr>
+              <a:t>                                    &amp; A* </a:t>
+            </a:r>
+            <a:r>
+              <a:rPr lang="en-GB" sz="2400" spc="-1" dirty="0">
+                <a:solidFill>
+                  <a:srgbClr val="434343"/>
+                </a:solidFill>
+                <a:latin typeface="Roboto Condensed Light"/>
+                <a:ea typeface="Roboto Condensed Light"/>
+              </a:rPr>
+              <a:t>algorithms are used for finding the 				   shortest paths in graph</a:t>
+            </a:r>
+          </a:p>
+          <a:p>
+            <a:pPr>
+              <a:lnSpc>
+                <a:spcPct val="100000"/>
+              </a:lnSpc>
+              <a:tabLst>
+                <a:tab pos="0" algn="l"/>
+              </a:tabLst>
+            </a:pPr>
+            <a:endParaRPr lang="en-GB" sz="2400" b="0" strike="noStrike" spc="-1" dirty="0">
+              <a:solidFill>
+                <a:srgbClr val="434343"/>
+              </a:solidFill>
+              <a:latin typeface="Roboto Condensed Light"/>
+            </a:endParaRPr>
+          </a:p>
+          <a:p>
+            <a:pPr>
+              <a:lnSpc>
+                <a:spcPct val="100000"/>
+              </a:lnSpc>
+              <a:tabLst>
+                <a:tab pos="0" algn="l"/>
+              </a:tabLst>
+            </a:pPr>
+            <a:r>
+              <a:rPr lang="en-GB" sz="2400" spc="-1" dirty="0">
+                <a:solidFill>
+                  <a:srgbClr val="434343"/>
+                </a:solidFill>
+                <a:latin typeface="Roboto Condensed Light"/>
+              </a:rPr>
+              <a:t>			# </a:t>
+            </a:r>
+            <a:r>
+              <a:rPr lang="en-GB" sz="2400" b="1" spc="-1" dirty="0">
+                <a:solidFill>
+                  <a:srgbClr val="434343"/>
+                </a:solidFill>
+                <a:latin typeface="Roboto Condensed Light"/>
+              </a:rPr>
+              <a:t>Prims &amp; </a:t>
+            </a:r>
+            <a:r>
+              <a:rPr lang="en-GB" sz="2400" b="1" spc="-1" dirty="0" err="1">
+                <a:solidFill>
+                  <a:srgbClr val="434343"/>
+                </a:solidFill>
+                <a:latin typeface="Roboto Condensed Light"/>
+              </a:rPr>
+              <a:t>Kruskals</a:t>
+            </a:r>
+            <a:r>
+              <a:rPr lang="en-GB" sz="2400" b="1" spc="-1" dirty="0">
+                <a:solidFill>
+                  <a:srgbClr val="434343"/>
+                </a:solidFill>
+                <a:latin typeface="Roboto Condensed Light"/>
+              </a:rPr>
+              <a:t> </a:t>
+            </a:r>
+            <a:r>
+              <a:rPr lang="en-GB" sz="2400" spc="-1" dirty="0">
+                <a:solidFill>
+                  <a:srgbClr val="434343"/>
+                </a:solidFill>
+                <a:latin typeface="Roboto Condensed Light"/>
+              </a:rPr>
+              <a:t>algorithm are used</a:t>
+            </a:r>
+          </a:p>
+          <a:p>
+            <a:pPr>
+              <a:lnSpc>
+                <a:spcPct val="100000"/>
+              </a:lnSpc>
+              <a:tabLst>
+                <a:tab pos="0" algn="l"/>
+              </a:tabLst>
+            </a:pPr>
+            <a:r>
+              <a:rPr lang="en-GB" sz="2400" b="0" strike="noStrike" spc="-1" dirty="0">
+                <a:solidFill>
+                  <a:srgbClr val="434343"/>
+                </a:solidFill>
+                <a:latin typeface="Roboto Condensed Light"/>
+              </a:rPr>
+              <a:t>			   for finding minimum spanning tree</a:t>
+            </a:r>
+          </a:p>
+          <a:p>
+            <a:pPr>
+              <a:lnSpc>
+                <a:spcPct val="100000"/>
+              </a:lnSpc>
+              <a:tabLst>
+                <a:tab pos="0" algn="l"/>
+              </a:tabLst>
+            </a:pPr>
+            <a:r>
+              <a:rPr lang="en-GB" sz="2400" spc="-1" dirty="0">
+                <a:solidFill>
+                  <a:srgbClr val="434343"/>
+                </a:solidFill>
+                <a:latin typeface="Roboto Condensed Light"/>
+              </a:rPr>
+              <a:t>	</a:t>
+            </a:r>
+          </a:p>
+          <a:p>
+            <a:r>
+              <a:rPr lang="en-GB" sz="2400" spc="-1" dirty="0">
+                <a:solidFill>
+                  <a:srgbClr val="434343"/>
+                </a:solidFill>
+                <a:latin typeface="Roboto Condensed Light"/>
+              </a:rPr>
+              <a:t>    </a:t>
+            </a:r>
+            <a:r>
+              <a:rPr lang="en-GB" sz="2400" b="0" strike="noStrike" spc="-1" dirty="0">
+                <a:solidFill>
+                  <a:srgbClr val="434343"/>
+                </a:solidFill>
+                <a:latin typeface="Roboto Condensed Light"/>
+              </a:rPr>
+              <a:t># </a:t>
+            </a:r>
+            <a:r>
+              <a:rPr lang="en-GB" sz="2400" b="1" dirty="0" err="1">
+                <a:solidFill>
+                  <a:schemeClr val="accent2">
+                    <a:lumMod val="25000"/>
+                  </a:schemeClr>
+                </a:solidFill>
+                <a:latin typeface="Roboto Condensed Light"/>
+              </a:rPr>
+              <a:t>Tarjan's</a:t>
+            </a:r>
             <a:r>
               <a:rPr lang="en-GB" sz="2400" b="1" dirty="0">
                 <a:solidFill>
@@ -24873,8 +24449,9 @@
                     <a:lumMod val="25000"/>
                   </a:schemeClr>
                 </a:solidFill>
+                <a:latin typeface="Roboto Condensed Light"/>
               </a:rPr>
-              <a:t>		    </a:t>
+              <a:t> algorithm </a:t>
             </a:r>
             <a:r>
               <a:rPr lang="en-GB" sz="2400" dirty="0">
@@ -24883,19 +24460,12 @@
                     <a:lumMod val="25000"/>
                   </a:schemeClr>
                 </a:solidFill>
+                <a:latin typeface="Roboto Condensed Light"/>
               </a:rPr>
-              <a:t>#</a:t>
+              <a:t>finds strongly </a:t>
             </a:r>
-            <a:r>
-              <a:rPr lang="en-GB" sz="2400" b="1" dirty="0">
-                <a:solidFill>
-                  <a:schemeClr val="accent2">
-                    <a:lumMod val="25000"/>
-                  </a:schemeClr>
-                </a:solidFill>
-              </a:rPr>
-              <a:t> Breadth-First Search (BFS): </a:t>
-            </a:r>
+          </a:p>
+          <a:p>
             <a:r>
               <a:rPr lang="en-GB" sz="2400" dirty="0">
                 <a:solidFill>
@@ -24903,150 +24473,10 @@
                     <a:lumMod val="25000"/>
                   </a:schemeClr>
                 </a:solidFill>
+                <a:latin typeface="Roboto Condensed Light"/>
               </a:rPr>
-              <a:t>Traverses a </a:t>
+              <a:t>       connected components in a directed graph</a:t>
             </a:r>
-          </a:p>
-          <a:p>
-            <a:pPr>
-              <a:tabLst>
-                <a:tab pos="0" algn="l"/>
-              </a:tabLst>
-            </a:pPr>
-            <a:r>
-              <a:rPr lang="en-GB" sz="2400" dirty="0">
-                <a:solidFill>
-                  <a:schemeClr val="accent2">
-                    <a:lumMod val="25000"/>
-                  </a:schemeClr>
-                </a:solidFill>
-              </a:rPr>
-              <a:t>		      graph by exploring all neighbours of a node </a:t>
-            </a:r>
-          </a:p>
-          <a:p>
-            <a:pPr>
-              <a:tabLst>
-                <a:tab pos="0" algn="l"/>
-              </a:tabLst>
-            </a:pPr>
-            <a:r>
-              <a:rPr lang="en-GB" sz="2400" dirty="0">
-                <a:solidFill>
-                  <a:schemeClr val="accent2">
-                    <a:lumMod val="25000"/>
-                  </a:schemeClr>
-                </a:solidFill>
-              </a:rPr>
-              <a:t>		      before moving to the next level of nodes</a:t>
-            </a:r>
-          </a:p>
-          <a:p>
-            <a:pPr>
-              <a:tabLst>
-                <a:tab pos="0" algn="l"/>
-              </a:tabLst>
-            </a:pPr>
-            <a:endParaRPr lang="en-GB" sz="2400" dirty="0">
-              <a:solidFill>
-                <a:schemeClr val="accent2">
-                  <a:lumMod val="25000"/>
-                </a:schemeClr>
-              </a:solidFill>
-            </a:endParaRPr>
-          </a:p>
-          <a:p>
-            <a:pPr>
-              <a:tabLst>
-                <a:tab pos="0" algn="l"/>
-              </a:tabLst>
-            </a:pPr>
-            <a:r>
-              <a:rPr lang="en-GB" sz="2400" dirty="0"/>
-              <a:t>#</a:t>
-            </a:r>
-            <a:r>
-              <a:rPr lang="en-GB" sz="2400" b="1" dirty="0"/>
-              <a:t> </a:t>
-            </a:r>
-            <a:r>
-              <a:rPr lang="en-GB" sz="2400" b="1" dirty="0">
-                <a:solidFill>
-                  <a:schemeClr val="accent2">
-                    <a:lumMod val="25000"/>
-                  </a:schemeClr>
-                </a:solidFill>
-              </a:rPr>
-              <a:t>Dijkstra's algorithm: </a:t>
-            </a:r>
-            <a:r>
-              <a:rPr lang="en-GB" sz="2400" dirty="0">
-                <a:solidFill>
-                  <a:schemeClr val="accent2">
-                    <a:lumMod val="25000"/>
-                  </a:schemeClr>
-                </a:solidFill>
-              </a:rPr>
-              <a:t>Finds the shortest </a:t>
-            </a:r>
-          </a:p>
-          <a:p>
-            <a:pPr>
-              <a:tabLst>
-                <a:tab pos="0" algn="l"/>
-              </a:tabLst>
-            </a:pPr>
-            <a:r>
-              <a:rPr lang="en-GB" sz="2400" dirty="0">
-                <a:solidFill>
-                  <a:schemeClr val="accent2">
-                    <a:lumMod val="25000"/>
-                  </a:schemeClr>
-                </a:solidFill>
-              </a:rPr>
-              <a:t>   path in a weighted graph with non-negative </a:t>
-            </a:r>
-          </a:p>
-          <a:p>
-            <a:pPr>
-              <a:tabLst>
-                <a:tab pos="0" algn="l"/>
-              </a:tabLst>
-            </a:pPr>
-            <a:r>
-              <a:rPr lang="en-GB" sz="2400" dirty="0">
-                <a:solidFill>
-                  <a:schemeClr val="accent2">
-                    <a:lumMod val="25000"/>
-                  </a:schemeClr>
-                </a:solidFill>
-              </a:rPr>
-              <a:t>   edge weights</a:t>
-            </a:r>
-          </a:p>
-          <a:p>
-            <a:pPr>
-              <a:tabLst>
-                <a:tab pos="0" algn="l"/>
-              </a:tabLst>
-            </a:pPr>
-            <a:endParaRPr lang="en-GB" sz="2400" dirty="0">
-              <a:solidFill>
-                <a:schemeClr val="accent2">
-                  <a:lumMod val="25000"/>
-                </a:schemeClr>
-              </a:solidFill>
-            </a:endParaRPr>
-          </a:p>
-          <a:p>
-            <a:pPr>
-              <a:lnSpc>
-                <a:spcPct val="100000"/>
-              </a:lnSpc>
-              <a:tabLst>
-                <a:tab pos="0" algn="l"/>
-              </a:tabLst>
-            </a:pPr>
             <a:endParaRPr lang="en-US" sz="2400" b="0" strike="noStrike" spc="-1" dirty="0">
               <a:latin typeface="Arial"/>
             </a:endParaRPr>
@@ -25704,104 +25134,8 @@
         </p:nvSpPr>
         <p:spPr>
           <a:xfrm>
-            <a:off x="823658" y="2270273"/>
-            <a:ext cx="8320342" cy="1938992"/>
-          </a:xfrm>
-          <a:prstGeom prst="rect">
-            <a:avLst/>
-          </a:prstGeom>
-        </p:spPr>
-        <p:txBody>
-          <a:bodyPr wrap="square">
-            <a:spAutoFit/>
-          </a:bodyPr>
-          <a:lstStyle/>
-          <a:p>
-            <a:r>
-              <a:rPr lang="en-GB" sz="2400" b="1" dirty="0">
-                <a:solidFill>
-                  <a:schemeClr val="accent2">
-                    <a:lumMod val="25000"/>
-                  </a:schemeClr>
-                </a:solidFill>
-              </a:rPr>
-              <a:t>Johnson's algorithm: </a:t>
-            </a:r>
-            <a:r>
-              <a:rPr lang="en-GB" sz="2400" dirty="0">
-                <a:solidFill>
-                  <a:schemeClr val="accent2">
-                    <a:lumMod val="25000"/>
-                  </a:schemeClr>
-                </a:solidFill>
-              </a:rPr>
-              <a:t>Finds the shortest </a:t>
-            </a:r>
-          </a:p>
-          <a:p>
-            <a:r>
-              <a:rPr lang="en-GB" sz="2400" dirty="0">
-                <a:solidFill>
-                  <a:schemeClr val="accent2">
-                    <a:lumMod val="25000"/>
-                  </a:schemeClr>
-                </a:solidFill>
-              </a:rPr>
-              <a:t>paths between all pairs of nodes in a </a:t>
-            </a:r>
-          </a:p>
-          <a:p>
-            <a:r>
-              <a:rPr lang="en-GB" sz="2400" dirty="0">
-                <a:solidFill>
-                  <a:schemeClr val="accent2">
-                    <a:lumMod val="25000"/>
-                  </a:schemeClr>
-                </a:solidFill>
-              </a:rPr>
-              <a:t>graph, even with negative edge weights</a:t>
-            </a:r>
-          </a:p>
-          <a:p>
-            <a:endParaRPr lang="en-US" sz="2400" dirty="0">
-              <a:solidFill>
-                <a:schemeClr val="accent2">
-                  <a:lumMod val="25000"/>
-                </a:schemeClr>
-              </a:solidFill>
-            </a:endParaRPr>
-          </a:p>
-          <a:p>
-            <a:pPr marL="342900" indent="-342900">
-              <a:buFont typeface="Wingdings" panose="05000000000000000000" pitchFamily="2" charset="2"/>
-              <a:buChar char="v"/>
-            </a:pPr>
-            <a:endParaRPr lang="en-US" sz="2400" dirty="0">
-              <a:solidFill>
-                <a:schemeClr val="accent2">
-                  <a:lumMod val="25000"/>
-                </a:schemeClr>
-              </a:solidFill>
-            </a:endParaRPr>
-          </a:p>
-        </p:txBody>
-      </p:sp>
-      <p:sp>
-        <p:nvSpPr>
-          <p:cNvPr id="3" name="Rectangle 2">
-            <a:extLst>
-              <a:ext uri="{FF2B5EF4-FFF2-40B4-BE49-F238E27FC236}">
-                <a16:creationId xmlns:a16="http://schemas.microsoft.com/office/drawing/2014/main" id="{40FECE6A-371E-4BC1-B2AB-7939ED594134}"/>
-              </a:ext>
-            </a:extLst>
-          </p:cNvPr>
-          <p:cNvSpPr/>
-          <p:nvPr/>
-        </p:nvSpPr>
-        <p:spPr>
-          <a:xfrm>
-            <a:off x="0" y="71881"/>
-            <a:ext cx="4708114" cy="1938992"/>
+            <a:off x="1047023" y="2534639"/>
+            <a:ext cx="6470601" cy="2677656"/>
           </a:xfrm>
           <a:prstGeom prst="rect">
             <a:avLst/>
@@ -25831,10 +25165,8 @@
                   </a:schemeClr>
                 </a:solidFill>
               </a:rPr>
-              <a:t> Bellman-Ford algorithm: </a:t>
+              <a:t> VF2 algorithm </a:t>
             </a:r>
-          </a:p>
-          <a:p>
             <a:r>
               <a:rPr lang="en-GB" sz="2400" dirty="0">
                 <a:solidFill>
@@ -25843,17 +25175,87 @@
                   </a:schemeClr>
                 </a:solidFill>
               </a:rPr>
-              <a:t>Finds the shortest path in a graph with negative edge weights and detects negative cycles</a:t>
+              <a:t>determines</a:t>
             </a:r>
           </a:p>
-        </p:txBody>
-      </p:sp>
-      <p:sp>
-        <p:nvSpPr>
-          <p:cNvPr id="4" name="Rectangle 3">
+          <a:p>
+            <a:r>
+              <a:rPr lang="en-GB" sz="2400" dirty="0">
+                <a:solidFill>
+                  <a:schemeClr val="accent2">
+                    <a:lumMod val="25000"/>
+                  </a:schemeClr>
+                </a:solidFill>
+              </a:rPr>
+              <a:t>   whether two graphs are isomorphic,</a:t>
+            </a:r>
+          </a:p>
+          <a:p>
+            <a:r>
+              <a:rPr lang="en-GB" sz="2400" dirty="0">
+                <a:solidFill>
+                  <a:schemeClr val="accent2">
+                    <a:lumMod val="25000"/>
+                  </a:schemeClr>
+                </a:solidFill>
+              </a:rPr>
+              <a:t>   meaning they have the same </a:t>
+            </a:r>
+          </a:p>
+          <a:p>
+            <a:r>
+              <a:rPr lang="en-GB" sz="2400" dirty="0">
+                <a:solidFill>
+                  <a:schemeClr val="accent2">
+                    <a:lumMod val="25000"/>
+                  </a:schemeClr>
+                </a:solidFill>
+              </a:rPr>
+              <a:t>   structure but may have different </a:t>
+            </a:r>
+          </a:p>
+          <a:p>
+            <a:r>
+              <a:rPr lang="en-GB" sz="2400" dirty="0">
+                <a:solidFill>
+                  <a:schemeClr val="accent2">
+                    <a:lumMod val="25000"/>
+                  </a:schemeClr>
+                </a:solidFill>
+              </a:rPr>
+              <a:t>   labels on nodes and edges</a:t>
+            </a:r>
+          </a:p>
+          <a:p>
+            <a:endParaRPr lang="en-US" sz="2400" dirty="0">
+              <a:solidFill>
+                <a:schemeClr val="accent2">
+                  <a:lumMod val="25000"/>
+                </a:schemeClr>
+              </a:solidFill>
+            </a:endParaRPr>
+          </a:p>
+          <a:p>
+            <a:pPr marL="342900" indent="-342900">
+              <a:buFont typeface="Wingdings" panose="05000000000000000000" pitchFamily="2" charset="2"/>
+              <a:buChar char="v"/>
+            </a:pPr>
+            <a:endParaRPr lang="en-US" sz="2400" dirty="0">
+              <a:solidFill>
+                <a:schemeClr val="accent2">
+                  <a:lumMod val="25000"/>
+                </a:schemeClr>
+              </a:solidFill>
+            </a:endParaRPr>
+          </a:p>
+        </p:txBody>
+      </p:sp>
+      <p:sp>
+        <p:nvSpPr>
+          <p:cNvPr id="3" name="Rectangle 2">
             <a:extLst>
               <a:ext uri="{FF2B5EF4-FFF2-40B4-BE49-F238E27FC236}">
-                <a16:creationId xmlns:a16="http://schemas.microsoft.com/office/drawing/2014/main" id="{13CC92B9-E572-4E97-92CB-D9C9D60EDC76}"/>
+                <a16:creationId xmlns:a16="http://schemas.microsoft.com/office/drawing/2014/main" id="{40FECE6A-371E-4BC1-B2AB-7939ED594134}"/>
               </a:ext>
             </a:extLst>
           </p:cNvPr>
@@ -25862,8 +25264,8 @@
         </p:nvSpPr>
         <p:spPr>
           <a:xfrm>
-            <a:off x="136114" y="3746071"/>
-            <a:ext cx="5971521" cy="1200329"/>
+            <a:off x="0" y="561240"/>
+            <a:ext cx="4572000" cy="1569660"/>
           </a:xfrm>
           <a:prstGeom prst="rect">
             <a:avLst/>
@@ -25893,7 +25295,7 @@
                   </a:schemeClr>
                 </a:solidFill>
               </a:rPr>
-              <a:t> A* algorithm: </a:t>
+              <a:t> Fleury's algorithm </a:t>
             </a:r>
             <a:r>
               <a:rPr lang="en-GB" sz="2400" dirty="0">
@@ -25903,1173 +25305,7 @@
                   </a:schemeClr>
                 </a:solidFill>
               </a:rPr>
-              <a:t>Finds the shortest </a:t>
-            </a:r>
-          </a:p>
-          <a:p>
-            <a:r>
-              <a:rPr lang="en-GB" sz="2400" dirty="0">
-                <a:solidFill>
-                  <a:schemeClr val="accent2">
-                    <a:lumMod val="25000"/>
-                  </a:schemeClr>
-                </a:solidFill>
-              </a:rPr>
-              <a:t>path in a graph by using heuristics to guide the search towards the goal</a:t>
-            </a:r>
-          </a:p>
-        </p:txBody>
-      </p:sp>
-      <p:sp>
-        <p:nvSpPr>
-          <p:cNvPr id="5" name="Rectangle 4">
-            <a:extLst>
-              <a:ext uri="{FF2B5EF4-FFF2-40B4-BE49-F238E27FC236}">
-                <a16:creationId xmlns:a16="http://schemas.microsoft.com/office/drawing/2014/main" id="{2E201E14-84DD-4B09-BABB-643D2B5310DE}"/>
-              </a:ext>
-            </a:extLst>
-          </p:cNvPr>
-          <p:cNvSpPr/>
-          <p:nvPr/>
-        </p:nvSpPr>
-        <p:spPr>
-          <a:xfrm>
-            <a:off x="317597" y="2284233"/>
-            <a:ext cx="4572000" cy="461665"/>
-          </a:xfrm>
-          <a:prstGeom prst="rect">
-            <a:avLst/>
-          </a:prstGeom>
-        </p:spPr>
-        <p:txBody>
-          <a:bodyPr>
-            <a:spAutoFit/>
-          </a:bodyPr>
-          <a:lstStyle/>
-          <a:p>
-            <a:r>
-              <a:rPr lang="en-GB" sz="2400" dirty="0">
-                <a:solidFill>
-                  <a:schemeClr val="accent2">
-                    <a:lumMod val="25000"/>
-                  </a:schemeClr>
-                </a:solidFill>
-                <a:latin typeface="Söhne"/>
-              </a:rPr>
-              <a:t>    </a:t>
-            </a:r>
-            <a:r>
-              <a:rPr lang="en-GB" sz="2400" dirty="0">
-                <a:solidFill>
-                  <a:schemeClr val="accent2">
-                    <a:lumMod val="25000"/>
-                  </a:schemeClr>
-                </a:solidFill>
-              </a:rPr>
-              <a:t>#</a:t>
-            </a:r>
-            <a:endParaRPr lang="en-GB" sz="2400" b="0" i="0" dirty="0">
-              <a:solidFill>
-                <a:schemeClr val="accent2">
-                  <a:lumMod val="25000"/>
-                </a:schemeClr>
-              </a:solidFill>
-              <a:effectLst/>
-            </a:endParaRPr>
-          </a:p>
-        </p:txBody>
-      </p:sp>
-    </p:spTree>
-    <p:extLst>
-      <p:ext uri="{BB962C8B-B14F-4D97-AF65-F5344CB8AC3E}">
-        <p14:creationId xmlns:p14="http://schemas.microsoft.com/office/powerpoint/2010/main" val="3549907714"/>
-      </p:ext>
-    </p:extLst>
-  </p:cSld>
-  <p:clrMapOvr>
-    <a:masterClrMapping/>
-  </p:clrMapOvr>
-</p:sld>
-</file>
-
-<file path=ppt/slides/slide6.xml><?xml version="1.0" encoding="utf-8"?>
-<p:sld xmlns:a="http://schemas.openxmlformats.org/drawingml/2006/main" xmlns:r="http://schemas.openxmlformats.org/officeDocument/2006/relationships" xmlns:p="http://schemas.openxmlformats.org/presentationml/2006/main">
-  <p:cSld>
-    <p:spTree>
-      <p:nvGrpSpPr>
-        <p:cNvPr id="1" name=""/>
-        <p:cNvGrpSpPr/>
-        <p:nvPr/>
-      </p:nvGrpSpPr>
-      <p:grpSpPr>
-        <a:xfrm>
-          <a:off x="0" y="0"/>
-          <a:ext cx="0" cy="0"/>
-          <a:chOff x="0" y="0"/>
-          <a:chExt cx="0" cy="0"/>
-        </a:xfrm>
-      </p:grpSpPr>
-      <p:sp>
-        <p:nvSpPr>
-          <p:cNvPr id="383" name="Google Shape;154;p25"/>
-          <p:cNvSpPr txBox="1"/>
-          <p:nvPr/>
-        </p:nvSpPr>
-        <p:spPr>
-          <a:xfrm>
-            <a:off x="0" y="265245"/>
-            <a:ext cx="9105120" cy="4727859"/>
-          </a:xfrm>
-          <a:prstGeom prst="rect">
-            <a:avLst/>
-          </a:prstGeom>
-          <a:noFill/>
-          <a:ln w="0">
-            <a:noFill/>
-          </a:ln>
-        </p:spPr>
-        <p:txBody>
-          <a:bodyPr tIns="91440" bIns="91440">
-            <a:noAutofit/>
-          </a:bodyPr>
-          <a:lstStyle/>
-          <a:p>
-            <a:r>
-              <a:rPr lang="en-GB" sz="2400" spc="-1" dirty="0">
-                <a:solidFill>
-                  <a:srgbClr val="434343"/>
-                </a:solidFill>
-                <a:latin typeface="Roboto Condensed Light"/>
-                <a:ea typeface="Roboto Condensed Light"/>
-              </a:rPr>
-              <a:t>		   # </a:t>
-            </a:r>
-            <a:r>
-              <a:rPr lang="en-GB" sz="2400" b="1" dirty="0">
-                <a:solidFill>
-                  <a:schemeClr val="accent2">
-                    <a:lumMod val="25000"/>
-                  </a:schemeClr>
-                </a:solidFill>
-              </a:rPr>
-              <a:t>Prim's algorithm: </a:t>
-            </a:r>
-            <a:r>
-              <a:rPr lang="en-GB" sz="2400" dirty="0">
-                <a:solidFill>
-                  <a:schemeClr val="accent2">
-                    <a:lumMod val="25000"/>
-                  </a:schemeClr>
-                </a:solidFill>
-              </a:rPr>
-              <a:t>Constructs a minimum 		    	      spanning tree by adding edges with the smallest 		      weight that connect the tree to new nodes</a:t>
-            </a:r>
-          </a:p>
-          <a:p>
-            <a:pPr>
-              <a:lnSpc>
-                <a:spcPct val="100000"/>
-              </a:lnSpc>
-              <a:tabLst>
-                <a:tab pos="0" algn="l"/>
-              </a:tabLst>
-            </a:pPr>
-            <a:endParaRPr lang="en-GB" sz="2400" spc="-1" dirty="0">
-              <a:solidFill>
-                <a:srgbClr val="434343"/>
-              </a:solidFill>
-              <a:latin typeface="Roboto Condensed Light"/>
-            </a:endParaRPr>
-          </a:p>
-          <a:p>
-            <a:r>
-              <a:rPr lang="en-GB" sz="2400" b="1" dirty="0">
-                <a:solidFill>
-                  <a:schemeClr val="accent2">
-                    <a:lumMod val="25000"/>
-                  </a:schemeClr>
-                </a:solidFill>
-              </a:rPr>
-              <a:t>	  </a:t>
-            </a:r>
-            <a:r>
-              <a:rPr lang="en-GB" sz="2400" dirty="0">
-                <a:solidFill>
-                  <a:schemeClr val="accent2">
-                    <a:lumMod val="25000"/>
-                  </a:schemeClr>
-                </a:solidFill>
-              </a:rPr>
-              <a:t>#</a:t>
-            </a:r>
-            <a:r>
-              <a:rPr lang="en-GB" sz="2400" b="1" dirty="0">
-                <a:solidFill>
-                  <a:schemeClr val="accent2">
-                    <a:lumMod val="25000"/>
-                  </a:schemeClr>
-                </a:solidFill>
-              </a:rPr>
-              <a:t> Kruskal's algorithm: </a:t>
-            </a:r>
-            <a:r>
-              <a:rPr lang="en-GB" sz="2400" dirty="0">
-                <a:solidFill>
-                  <a:schemeClr val="accent2">
-                    <a:lumMod val="25000"/>
-                  </a:schemeClr>
-                </a:solidFill>
-              </a:rPr>
-              <a:t>Constructs a minimum</a:t>
-            </a:r>
-          </a:p>
-          <a:p>
-            <a:r>
-              <a:rPr lang="en-GB" sz="2400" dirty="0">
-                <a:solidFill>
-                  <a:schemeClr val="accent2">
-                    <a:lumMod val="25000"/>
-                  </a:schemeClr>
-                </a:solidFill>
-              </a:rPr>
-              <a:t>	     spanning tree by repeatedly adding the smallest-	   	     weighted edge that does not create a cycle</a:t>
-            </a:r>
-          </a:p>
-          <a:p>
-            <a:pPr>
-              <a:tabLst>
-                <a:tab pos="0" algn="l"/>
-              </a:tabLst>
-            </a:pPr>
-            <a:endParaRPr lang="en-GB" sz="2400" dirty="0">
-              <a:solidFill>
-                <a:schemeClr val="accent2">
-                  <a:lumMod val="25000"/>
-                </a:schemeClr>
-              </a:solidFill>
-            </a:endParaRPr>
-          </a:p>
-          <a:p>
-            <a:r>
-              <a:rPr lang="en-GB" sz="2400" dirty="0"/>
-              <a:t>#</a:t>
-            </a:r>
-            <a:r>
-              <a:rPr lang="en-GB" sz="2400" b="1" dirty="0"/>
-              <a:t> </a:t>
-            </a:r>
-            <a:r>
-              <a:rPr lang="en-GB" sz="2400" b="1" dirty="0" err="1">
-                <a:solidFill>
-                  <a:schemeClr val="accent2">
-                    <a:lumMod val="25000"/>
-                  </a:schemeClr>
-                </a:solidFill>
-              </a:rPr>
-              <a:t>Tarjan's</a:t>
-            </a:r>
-            <a:r>
-              <a:rPr lang="en-GB" sz="2400" b="1" dirty="0">
-                <a:solidFill>
-                  <a:schemeClr val="accent2">
-                    <a:lumMod val="25000"/>
-                  </a:schemeClr>
-                </a:solidFill>
-              </a:rPr>
-              <a:t> algorithm: </a:t>
-            </a:r>
-            <a:r>
-              <a:rPr lang="en-GB" sz="2400" dirty="0">
-                <a:solidFill>
-                  <a:schemeClr val="accent2">
-                    <a:lumMod val="25000"/>
-                  </a:schemeClr>
-                </a:solidFill>
-              </a:rPr>
-              <a:t>Finds strongly connected</a:t>
-            </a:r>
-          </a:p>
-          <a:p>
-            <a:r>
-              <a:rPr lang="en-GB" sz="2400" dirty="0">
-                <a:solidFill>
-                  <a:schemeClr val="accent2">
-                    <a:lumMod val="25000"/>
-                  </a:schemeClr>
-                </a:solidFill>
-              </a:rPr>
-              <a:t>   components in a directed graph, which are subgraphs</a:t>
-            </a:r>
-          </a:p>
-          <a:p>
-            <a:r>
-              <a:rPr lang="en-GB" sz="2400" dirty="0">
-                <a:solidFill>
-                  <a:schemeClr val="accent2">
-                    <a:lumMod val="25000"/>
-                  </a:schemeClr>
-                </a:solidFill>
-              </a:rPr>
-              <a:t>   where there is a path between any two nodes</a:t>
-            </a:r>
-          </a:p>
-          <a:p>
-            <a:pPr>
-              <a:tabLst>
-                <a:tab pos="0" algn="l"/>
-              </a:tabLst>
-            </a:pPr>
-            <a:endParaRPr lang="en-GB" sz="2400" dirty="0">
-              <a:solidFill>
-                <a:schemeClr val="accent2">
-                  <a:lumMod val="25000"/>
-                </a:schemeClr>
-              </a:solidFill>
-            </a:endParaRPr>
-          </a:p>
-          <a:p>
-            <a:pPr>
-              <a:lnSpc>
-                <a:spcPct val="100000"/>
-              </a:lnSpc>
-              <a:tabLst>
-                <a:tab pos="0" algn="l"/>
-              </a:tabLst>
-            </a:pPr>
-            <a:endParaRPr lang="en-US" sz="2400" b="0" strike="noStrike" spc="-1" dirty="0">
-              <a:latin typeface="Arial"/>
-            </a:endParaRPr>
-          </a:p>
-        </p:txBody>
-      </p:sp>
-      <p:sp>
-        <p:nvSpPr>
-          <p:cNvPr id="386" name="Google Shape;157;p25"/>
-          <p:cNvSpPr txBox="1"/>
-          <p:nvPr/>
-        </p:nvSpPr>
-        <p:spPr>
-          <a:xfrm>
-            <a:off x="8556840" y="4749840"/>
-            <a:ext cx="548280" cy="393120"/>
-          </a:xfrm>
-          <a:prstGeom prst="rect">
-            <a:avLst/>
-          </a:prstGeom>
-          <a:noFill/>
-          <a:ln w="0">
-            <a:noFill/>
-          </a:ln>
-        </p:spPr>
-        <p:txBody>
-          <a:bodyPr tIns="91440" bIns="91440">
-            <a:noAutofit/>
-          </a:bodyPr>
-          <a:lstStyle/>
-          <a:p>
-            <a:pPr algn="r">
-              <a:lnSpc>
-                <a:spcPct val="100000"/>
-              </a:lnSpc>
-              <a:tabLst>
-                <a:tab pos="0" algn="l"/>
-              </a:tabLst>
-            </a:pPr>
-            <a:fld id="{B432A284-1F27-4CAE-A45B-3F4C25BB4B43}" type="slidenum">
-              <a:rPr lang="en" sz="1300" b="0" strike="noStrike" spc="-1">
-                <a:solidFill>
-                  <a:srgbClr val="434343"/>
-                </a:solidFill>
-                <a:latin typeface="Roboto Condensed Light"/>
-                <a:ea typeface="Roboto Condensed Light"/>
-              </a:rPr>
-              <a:t>6</a:t>
-            </a:fld>
-            <a:endParaRPr lang="en-US" sz="1300" b="0" strike="noStrike" spc="-1">
-              <a:latin typeface="Times New Roman"/>
-            </a:endParaRPr>
-          </a:p>
-        </p:txBody>
-      </p:sp>
-    </p:spTree>
-    <p:extLst>
-      <p:ext uri="{BB962C8B-B14F-4D97-AF65-F5344CB8AC3E}">
-        <p14:creationId xmlns:p14="http://schemas.microsoft.com/office/powerpoint/2010/main" val="34916299"/>
-      </p:ext>
-    </p:extLst>
-  </p:cSld>
-  <p:clrMapOvr>
-    <a:masterClrMapping/>
-  </p:clrMapOvr>
-</p:sld>
-</file>
-
-<file path=ppt/slides/slide7.xml><?xml version="1.0" encoding="utf-8"?>
-<p:sld xmlns:a="http://schemas.openxmlformats.org/drawingml/2006/main" xmlns:r="http://schemas.openxmlformats.org/officeDocument/2006/relationships" xmlns:p="http://schemas.openxmlformats.org/presentationml/2006/main">
-  <p:cSld>
-    <p:spTree>
-      <p:nvGrpSpPr>
-        <p:cNvPr id="1" name=""/>
-        <p:cNvGrpSpPr/>
-        <p:nvPr/>
-      </p:nvGrpSpPr>
-      <p:grpSpPr>
-        <a:xfrm>
-          <a:off x="0" y="0"/>
-          <a:ext cx="0" cy="0"/>
-          <a:chOff x="0" y="0"/>
-          <a:chExt cx="0" cy="0"/>
-        </a:xfrm>
-      </p:grpSpPr>
-      <p:sp>
-        <p:nvSpPr>
-          <p:cNvPr id="372" name="Google Shape;139;p24"/>
-          <p:cNvSpPr/>
-          <p:nvPr/>
-        </p:nvSpPr>
-        <p:spPr>
-          <a:xfrm>
-            <a:off x="7991640" y="463320"/>
-            <a:ext cx="619920" cy="617040"/>
-          </a:xfrm>
-          <a:prstGeom prst="snip2DiagRect">
-            <a:avLst>
-              <a:gd name="adj1" fmla="val 0"/>
-              <a:gd name="adj2" fmla="val 16667"/>
-            </a:avLst>
-          </a:prstGeom>
-          <a:solidFill>
-            <a:schemeClr val="accent1"/>
-          </a:solidFill>
-          <a:ln w="9525">
-            <a:solidFill>
-              <a:srgbClr val="434343"/>
-            </a:solidFill>
-            <a:round/>
-          </a:ln>
-        </p:spPr>
-        <p:style>
-          <a:lnRef idx="0">
-            <a:scrgbClr r="0" g="0" b="0"/>
-          </a:lnRef>
-          <a:fillRef idx="0">
-            <a:scrgbClr r="0" g="0" b="0"/>
-          </a:fillRef>
-          <a:effectRef idx="0">
-            <a:scrgbClr r="0" g="0" b="0"/>
-          </a:effectRef>
-          <a:fontRef idx="minor"/>
-        </p:style>
-      </p:sp>
-      <p:grpSp>
-        <p:nvGrpSpPr>
-          <p:cNvPr id="376" name="Google Shape;143;p24"/>
-          <p:cNvGrpSpPr/>
-          <p:nvPr/>
-        </p:nvGrpSpPr>
-        <p:grpSpPr>
-          <a:xfrm>
-            <a:off x="8089920" y="561240"/>
-            <a:ext cx="423000" cy="421200"/>
-            <a:chOff x="8089920" y="561240"/>
-            <a:chExt cx="423000" cy="421200"/>
-          </a:xfrm>
-        </p:grpSpPr>
-        <p:sp>
-          <p:nvSpPr>
-            <p:cNvPr id="377" name="Google Shape;144;p24"/>
-            <p:cNvSpPr/>
-            <p:nvPr/>
-          </p:nvSpPr>
-          <p:spPr>
-            <a:xfrm>
-              <a:off x="8211960" y="694800"/>
-              <a:ext cx="300960" cy="287640"/>
-            </a:xfrm>
-            <a:custGeom>
-              <a:avLst/>
-              <a:gdLst/>
-              <a:ahLst/>
-              <a:cxnLst/>
-              <a:rect l="l" t="t" r="r" b="b"/>
-              <a:pathLst>
-                <a:path w="14225" h="13593">
-                  <a:moveTo>
-                    <a:pt x="5439" y="1112"/>
-                  </a:moveTo>
-                  <a:cubicBezTo>
-                    <a:pt x="6380" y="1112"/>
-                    <a:pt x="7409" y="1547"/>
-                    <a:pt x="8123" y="2262"/>
-                  </a:cubicBezTo>
-                  <a:cubicBezTo>
-                    <a:pt x="9657" y="3726"/>
-                    <a:pt x="9657" y="6184"/>
-                    <a:pt x="8123" y="7648"/>
-                  </a:cubicBezTo>
-                  <a:cubicBezTo>
-                    <a:pt x="7409" y="8363"/>
-                    <a:pt x="6450" y="8799"/>
-                    <a:pt x="5439" y="8799"/>
-                  </a:cubicBezTo>
-                  <a:cubicBezTo>
-                    <a:pt x="4428" y="8799"/>
-                    <a:pt x="3487" y="8363"/>
-                    <a:pt x="2754" y="7648"/>
-                  </a:cubicBezTo>
-                  <a:cubicBezTo>
-                    <a:pt x="1221" y="6184"/>
-                    <a:pt x="1221" y="3726"/>
-                    <a:pt x="2754" y="2262"/>
-                  </a:cubicBezTo>
-                  <a:cubicBezTo>
-                    <a:pt x="3487" y="1547"/>
-                    <a:pt x="4428" y="1112"/>
-                    <a:pt x="5439" y="1112"/>
-                  </a:cubicBezTo>
-                  <a:close/>
-                  <a:moveTo>
-                    <a:pt x="5430" y="0"/>
-                  </a:moveTo>
-                  <a:cubicBezTo>
-                    <a:pt x="4149" y="0"/>
-                    <a:pt x="2859" y="493"/>
-                    <a:pt x="1883" y="1478"/>
-                  </a:cubicBezTo>
-                  <a:cubicBezTo>
-                    <a:pt x="0" y="3360"/>
-                    <a:pt x="0" y="6550"/>
-                    <a:pt x="1883" y="8520"/>
-                  </a:cubicBezTo>
-                  <a:cubicBezTo>
-                    <a:pt x="2824" y="9461"/>
-                    <a:pt x="4132" y="9967"/>
-                    <a:pt x="5439" y="9967"/>
-                  </a:cubicBezTo>
-                  <a:cubicBezTo>
-                    <a:pt x="6607" y="9967"/>
-                    <a:pt x="7618" y="9601"/>
-                    <a:pt x="8489" y="8886"/>
-                  </a:cubicBezTo>
-                  <a:lnTo>
-                    <a:pt x="9797" y="10193"/>
-                  </a:lnTo>
-                  <a:lnTo>
-                    <a:pt x="9221" y="10838"/>
-                  </a:lnTo>
-                  <a:lnTo>
-                    <a:pt x="11540" y="13157"/>
-                  </a:lnTo>
-                  <a:cubicBezTo>
-                    <a:pt x="11836" y="13453"/>
-                    <a:pt x="12202" y="13592"/>
-                    <a:pt x="12551" y="13592"/>
-                  </a:cubicBezTo>
-                  <a:cubicBezTo>
-                    <a:pt x="12987" y="13592"/>
-                    <a:pt x="13353" y="13453"/>
-                    <a:pt x="13649" y="13157"/>
-                  </a:cubicBezTo>
-                  <a:cubicBezTo>
-                    <a:pt x="14224" y="12581"/>
-                    <a:pt x="14224" y="11570"/>
-                    <a:pt x="13649" y="10978"/>
-                  </a:cubicBezTo>
-                  <a:lnTo>
-                    <a:pt x="11331" y="8659"/>
-                  </a:lnTo>
-                  <a:lnTo>
-                    <a:pt x="10668" y="9391"/>
-                  </a:lnTo>
-                  <a:lnTo>
-                    <a:pt x="9361" y="8084"/>
-                  </a:lnTo>
-                  <a:cubicBezTo>
-                    <a:pt x="10895" y="6114"/>
-                    <a:pt x="10738" y="3221"/>
-                    <a:pt x="8925" y="1478"/>
-                  </a:cubicBezTo>
-                  <a:cubicBezTo>
-                    <a:pt x="7984" y="493"/>
-                    <a:pt x="6711" y="0"/>
-                    <a:pt x="5430" y="0"/>
-                  </a:cubicBezTo>
-                  <a:close/>
-                </a:path>
-              </a:pathLst>
-            </a:custGeom>
-            <a:solidFill>
-              <a:srgbClr val="434343"/>
-            </a:solidFill>
-            <a:ln w="0">
-              <a:noFill/>
-            </a:ln>
-          </p:spPr>
-          <p:style>
-            <a:lnRef idx="0">
-              <a:scrgbClr r="0" g="0" b="0"/>
-            </a:lnRef>
-            <a:fillRef idx="0">
-              <a:scrgbClr r="0" g="0" b="0"/>
-            </a:fillRef>
-            <a:effectRef idx="0">
-              <a:scrgbClr r="0" g="0" b="0"/>
-            </a:effectRef>
-            <a:fontRef idx="minor"/>
-          </p:style>
-        </p:sp>
-        <p:sp>
-          <p:nvSpPr>
-            <p:cNvPr id="378" name="Google Shape;145;p24"/>
-            <p:cNvSpPr/>
-            <p:nvPr/>
-          </p:nvSpPr>
-          <p:spPr>
-            <a:xfrm>
-              <a:off x="8089920" y="661320"/>
-              <a:ext cx="273600" cy="73440"/>
-            </a:xfrm>
-            <a:custGeom>
-              <a:avLst/>
-              <a:gdLst/>
-              <a:ahLst/>
-              <a:cxnLst/>
-              <a:rect l="l" t="t" r="r" b="b"/>
-              <a:pathLst>
-                <a:path w="12934" h="3487">
-                  <a:moveTo>
-                    <a:pt x="1673" y="1151"/>
-                  </a:moveTo>
-                  <a:cubicBezTo>
-                    <a:pt x="2039" y="1151"/>
-                    <a:pt x="2266" y="1447"/>
-                    <a:pt x="2266" y="1813"/>
-                  </a:cubicBezTo>
-                  <a:cubicBezTo>
-                    <a:pt x="2336" y="2092"/>
-                    <a:pt x="1970" y="2388"/>
-                    <a:pt x="1673" y="2388"/>
-                  </a:cubicBezTo>
-                  <a:cubicBezTo>
-                    <a:pt x="1307" y="2388"/>
-                    <a:pt x="1098" y="2092"/>
-                    <a:pt x="1098" y="1813"/>
-                  </a:cubicBezTo>
-                  <a:cubicBezTo>
-                    <a:pt x="1028" y="1447"/>
-                    <a:pt x="1395" y="1151"/>
-                    <a:pt x="1673" y="1151"/>
-                  </a:cubicBezTo>
-                  <a:close/>
-                  <a:moveTo>
-                    <a:pt x="0" y="0"/>
-                  </a:moveTo>
-                  <a:lnTo>
-                    <a:pt x="0" y="3487"/>
-                  </a:lnTo>
-                  <a:lnTo>
-                    <a:pt x="5892" y="3487"/>
-                  </a:lnTo>
-                  <a:cubicBezTo>
-                    <a:pt x="6101" y="3051"/>
-                    <a:pt x="6467" y="2615"/>
-                    <a:pt x="6833" y="2249"/>
-                  </a:cubicBezTo>
-                  <a:cubicBezTo>
-                    <a:pt x="8001" y="1081"/>
-                    <a:pt x="9517" y="436"/>
-                    <a:pt x="11191" y="436"/>
-                  </a:cubicBezTo>
-                  <a:cubicBezTo>
-                    <a:pt x="11766" y="436"/>
-                    <a:pt x="12359" y="506"/>
-                    <a:pt x="12934" y="645"/>
-                  </a:cubicBezTo>
-                  <a:lnTo>
-                    <a:pt x="12934" y="0"/>
-                  </a:lnTo>
-                  <a:close/>
-                </a:path>
-              </a:pathLst>
-            </a:custGeom>
-            <a:solidFill>
-              <a:srgbClr val="434343"/>
-            </a:solidFill>
-            <a:ln w="0">
-              <a:noFill/>
-            </a:ln>
-          </p:spPr>
-          <p:style>
-            <a:lnRef idx="0">
-              <a:scrgbClr r="0" g="0" b="0"/>
-            </a:lnRef>
-            <a:fillRef idx="0">
-              <a:scrgbClr r="0" g="0" b="0"/>
-            </a:fillRef>
-            <a:effectRef idx="0">
-              <a:scrgbClr r="0" g="0" b="0"/>
-            </a:effectRef>
-            <a:fontRef idx="minor"/>
-          </p:style>
-        </p:sp>
-        <p:sp>
-          <p:nvSpPr>
-            <p:cNvPr id="379" name="Google Shape;146;p24"/>
-            <p:cNvSpPr/>
-            <p:nvPr/>
-          </p:nvSpPr>
-          <p:spPr>
-            <a:xfrm>
-              <a:off x="8265240" y="761040"/>
-              <a:ext cx="98280" cy="73440"/>
-            </a:xfrm>
-            <a:custGeom>
-              <a:avLst/>
-              <a:gdLst/>
-              <a:ahLst/>
-              <a:cxnLst/>
-              <a:rect l="l" t="t" r="r" b="b"/>
-              <a:pathLst>
-                <a:path w="4655" h="3487">
-                  <a:moveTo>
-                    <a:pt x="872" y="1"/>
-                  </a:moveTo>
-                  <a:cubicBezTo>
-                    <a:pt x="1" y="1029"/>
-                    <a:pt x="1" y="2476"/>
-                    <a:pt x="803" y="3487"/>
-                  </a:cubicBezTo>
-                  <a:lnTo>
-                    <a:pt x="4655" y="3487"/>
-                  </a:lnTo>
-                  <a:lnTo>
-                    <a:pt x="4655" y="1"/>
-                  </a:lnTo>
-                  <a:close/>
-                </a:path>
-              </a:pathLst>
-            </a:custGeom>
-            <a:solidFill>
-              <a:srgbClr val="434343"/>
-            </a:solidFill>
-            <a:ln w="0">
-              <a:noFill/>
-            </a:ln>
-          </p:spPr>
-          <p:style>
-            <a:lnRef idx="0">
-              <a:scrgbClr r="0" g="0" b="0"/>
-            </a:lnRef>
-            <a:fillRef idx="0">
-              <a:scrgbClr r="0" g="0" b="0"/>
-            </a:fillRef>
-            <a:effectRef idx="0">
-              <a:scrgbClr r="0" g="0" b="0"/>
-            </a:effectRef>
-            <a:fontRef idx="minor"/>
-          </p:style>
-        </p:sp>
-        <p:sp>
-          <p:nvSpPr>
-            <p:cNvPr id="380" name="Google Shape;147;p24"/>
-            <p:cNvSpPr/>
-            <p:nvPr/>
-          </p:nvSpPr>
-          <p:spPr>
-            <a:xfrm>
-              <a:off x="8089920" y="761040"/>
-              <a:ext cx="112320" cy="73440"/>
-            </a:xfrm>
-            <a:custGeom>
-              <a:avLst/>
-              <a:gdLst/>
-              <a:ahLst/>
-              <a:cxnLst/>
-              <a:rect l="l" t="t" r="r" b="b"/>
-              <a:pathLst>
-                <a:path w="5317" h="3487">
-                  <a:moveTo>
-                    <a:pt x="1673" y="1169"/>
-                  </a:moveTo>
-                  <a:cubicBezTo>
-                    <a:pt x="2039" y="1169"/>
-                    <a:pt x="2266" y="1465"/>
-                    <a:pt x="2266" y="1744"/>
-                  </a:cubicBezTo>
-                  <a:cubicBezTo>
-                    <a:pt x="2336" y="2110"/>
-                    <a:pt x="1970" y="2406"/>
-                    <a:pt x="1673" y="2406"/>
-                  </a:cubicBezTo>
-                  <a:cubicBezTo>
-                    <a:pt x="1307" y="2406"/>
-                    <a:pt x="1098" y="2110"/>
-                    <a:pt x="1098" y="1744"/>
-                  </a:cubicBezTo>
-                  <a:cubicBezTo>
-                    <a:pt x="1028" y="1465"/>
-                    <a:pt x="1395" y="1169"/>
-                    <a:pt x="1673" y="1169"/>
-                  </a:cubicBezTo>
-                  <a:close/>
-                  <a:moveTo>
-                    <a:pt x="0" y="1"/>
-                  </a:moveTo>
-                  <a:lnTo>
-                    <a:pt x="0" y="3487"/>
-                  </a:lnTo>
-                  <a:lnTo>
-                    <a:pt x="5317" y="3487"/>
-                  </a:lnTo>
-                  <a:cubicBezTo>
-                    <a:pt x="5160" y="2981"/>
-                    <a:pt x="5090" y="2406"/>
-                    <a:pt x="5090" y="1831"/>
-                  </a:cubicBezTo>
-                  <a:cubicBezTo>
-                    <a:pt x="5090" y="1238"/>
-                    <a:pt x="5160" y="593"/>
-                    <a:pt x="5317" y="1"/>
-                  </a:cubicBezTo>
-                  <a:close/>
-                </a:path>
-              </a:pathLst>
-            </a:custGeom>
-            <a:solidFill>
-              <a:srgbClr val="434343"/>
-            </a:solidFill>
-            <a:ln w="0">
-              <a:noFill/>
-            </a:ln>
-          </p:spPr>
-          <p:style>
-            <a:lnRef idx="0">
-              <a:scrgbClr r="0" g="0" b="0"/>
-            </a:lnRef>
-            <a:fillRef idx="0">
-              <a:scrgbClr r="0" g="0" b="0"/>
-            </a:fillRef>
-            <a:effectRef idx="0">
-              <a:scrgbClr r="0" g="0" b="0"/>
-            </a:effectRef>
-            <a:fontRef idx="minor"/>
-          </p:style>
-        </p:sp>
-        <p:sp>
-          <p:nvSpPr>
-            <p:cNvPr id="381" name="Google Shape;148;p24"/>
-            <p:cNvSpPr/>
-            <p:nvPr/>
-          </p:nvSpPr>
-          <p:spPr>
-            <a:xfrm>
-              <a:off x="8089920" y="561240"/>
-              <a:ext cx="273600" cy="73440"/>
-            </a:xfrm>
-            <a:custGeom>
-              <a:avLst/>
-              <a:gdLst/>
-              <a:ahLst/>
-              <a:cxnLst/>
-              <a:rect l="l" t="t" r="r" b="b"/>
-              <a:pathLst>
-                <a:path w="12934" h="3487">
-                  <a:moveTo>
-                    <a:pt x="1673" y="1151"/>
-                  </a:moveTo>
-                  <a:cubicBezTo>
-                    <a:pt x="2039" y="1151"/>
-                    <a:pt x="2266" y="1447"/>
-                    <a:pt x="2266" y="1813"/>
-                  </a:cubicBezTo>
-                  <a:cubicBezTo>
-                    <a:pt x="2336" y="2110"/>
-                    <a:pt x="1970" y="2388"/>
-                    <a:pt x="1673" y="2388"/>
-                  </a:cubicBezTo>
-                  <a:cubicBezTo>
-                    <a:pt x="1307" y="2388"/>
-                    <a:pt x="1098" y="2110"/>
-                    <a:pt x="1098" y="1813"/>
-                  </a:cubicBezTo>
-                  <a:cubicBezTo>
-                    <a:pt x="1028" y="1447"/>
-                    <a:pt x="1395" y="1151"/>
-                    <a:pt x="1673" y="1151"/>
-                  </a:cubicBezTo>
-                  <a:close/>
-                  <a:moveTo>
-                    <a:pt x="0" y="0"/>
-                  </a:moveTo>
-                  <a:lnTo>
-                    <a:pt x="0" y="3487"/>
-                  </a:lnTo>
-                  <a:lnTo>
-                    <a:pt x="12934" y="3487"/>
-                  </a:lnTo>
-                  <a:lnTo>
-                    <a:pt x="12934" y="0"/>
-                  </a:lnTo>
-                  <a:close/>
-                </a:path>
-              </a:pathLst>
-            </a:custGeom>
-            <a:solidFill>
-              <a:srgbClr val="434343"/>
-            </a:solidFill>
-            <a:ln w="0">
-              <a:noFill/>
-            </a:ln>
-          </p:spPr>
-          <p:style>
-            <a:lnRef idx="0">
-              <a:scrgbClr r="0" g="0" b="0"/>
-            </a:lnRef>
-            <a:fillRef idx="0">
-              <a:scrgbClr r="0" g="0" b="0"/>
-            </a:fillRef>
-            <a:effectRef idx="0">
-              <a:scrgbClr r="0" g="0" b="0"/>
-            </a:effectRef>
-            <a:fontRef idx="minor"/>
-          </p:style>
-        </p:sp>
-      </p:grpSp>
-      <p:sp>
-        <p:nvSpPr>
-          <p:cNvPr id="382" name="Google Shape;149;p24"/>
-          <p:cNvSpPr txBox="1"/>
-          <p:nvPr/>
-        </p:nvSpPr>
-        <p:spPr>
-          <a:xfrm>
-            <a:off x="8556840" y="4749840"/>
-            <a:ext cx="548280" cy="393120"/>
-          </a:xfrm>
-          <a:prstGeom prst="rect">
-            <a:avLst/>
-          </a:prstGeom>
-          <a:noFill/>
-          <a:ln w="0">
-            <a:noFill/>
-          </a:ln>
-        </p:spPr>
-        <p:txBody>
-          <a:bodyPr tIns="91440" bIns="91440">
-            <a:noAutofit/>
-          </a:bodyPr>
-          <a:lstStyle/>
-          <a:p>
-            <a:pPr algn="r">
-              <a:lnSpc>
-                <a:spcPct val="100000"/>
-              </a:lnSpc>
-              <a:tabLst>
-                <a:tab pos="0" algn="l"/>
-              </a:tabLst>
-            </a:pPr>
-            <a:fld id="{2D932F9B-2EA9-4B69-AC51-A4C121A0B3F5}" type="slidenum">
-              <a:rPr lang="en" sz="1300" b="0" strike="noStrike" spc="-1">
-                <a:solidFill>
-                  <a:srgbClr val="434343"/>
-                </a:solidFill>
-                <a:latin typeface="Roboto Condensed Light"/>
-                <a:ea typeface="Roboto Condensed Light"/>
-              </a:rPr>
-              <a:t>7</a:t>
-            </a:fld>
-            <a:endParaRPr lang="en-US" sz="1300" b="0" strike="noStrike" spc="-1">
-              <a:latin typeface="Times New Roman"/>
-            </a:endParaRPr>
-          </a:p>
-        </p:txBody>
-      </p:sp>
-      <p:sp>
-        <p:nvSpPr>
-          <p:cNvPr id="2" name="Rectangle 1">
-            <a:extLst>
-              <a:ext uri="{FF2B5EF4-FFF2-40B4-BE49-F238E27FC236}">
-                <a16:creationId xmlns:a16="http://schemas.microsoft.com/office/drawing/2014/main" id="{CD9803FB-D636-4607-878A-5305A295A8E2}"/>
-              </a:ext>
-            </a:extLst>
-          </p:cNvPr>
-          <p:cNvSpPr/>
-          <p:nvPr/>
-        </p:nvSpPr>
-        <p:spPr>
-          <a:xfrm>
-            <a:off x="1047023" y="2534639"/>
-            <a:ext cx="6470601" cy="2677656"/>
-          </a:xfrm>
-          <a:prstGeom prst="rect">
-            <a:avLst/>
-          </a:prstGeom>
-        </p:spPr>
-        <p:txBody>
-          <a:bodyPr wrap="square">
-            <a:spAutoFit/>
-          </a:bodyPr>
-          <a:lstStyle/>
-          <a:p>
-            <a:r>
-              <a:rPr lang="en-GB" sz="2400" dirty="0">
-                <a:solidFill>
-                  <a:schemeClr val="accent2">
-                    <a:lumMod val="25000"/>
-                  </a:schemeClr>
-                </a:solidFill>
-              </a:rPr>
-              <a:t>#</a:t>
-            </a:r>
-            <a:r>
-              <a:rPr lang="en-GB" sz="2400" b="1" dirty="0">
-                <a:solidFill>
-                  <a:schemeClr val="accent2">
-                    <a:lumMod val="25000"/>
-                  </a:schemeClr>
-                </a:solidFill>
-              </a:rPr>
-              <a:t> VF2 algorithm: </a:t>
-            </a:r>
-            <a:r>
-              <a:rPr lang="en-GB" sz="2400" dirty="0">
-                <a:solidFill>
-                  <a:schemeClr val="accent2">
-                    <a:lumMod val="25000"/>
-                  </a:schemeClr>
-                </a:solidFill>
-              </a:rPr>
-              <a:t>Determines</a:t>
-            </a:r>
-          </a:p>
-          <a:p>
-            <a:r>
-              <a:rPr lang="en-GB" sz="2400" dirty="0">
-                <a:solidFill>
-                  <a:schemeClr val="accent2">
-                    <a:lumMod val="25000"/>
-                  </a:schemeClr>
-                </a:solidFill>
-              </a:rPr>
-              <a:t>   whether two graphs are isomorphic,</a:t>
-            </a:r>
-          </a:p>
-          <a:p>
-            <a:r>
-              <a:rPr lang="en-GB" sz="2400" dirty="0">
-                <a:solidFill>
-                  <a:schemeClr val="accent2">
-                    <a:lumMod val="25000"/>
-                  </a:schemeClr>
-                </a:solidFill>
-              </a:rPr>
-              <a:t>   meaning they have the same </a:t>
-            </a:r>
-          </a:p>
-          <a:p>
-            <a:r>
-              <a:rPr lang="en-GB" sz="2400" dirty="0">
-                <a:solidFill>
-                  <a:schemeClr val="accent2">
-                    <a:lumMod val="25000"/>
-                  </a:schemeClr>
-                </a:solidFill>
-              </a:rPr>
-              <a:t>   structure but may have different </a:t>
-            </a:r>
-          </a:p>
-          <a:p>
-            <a:r>
-              <a:rPr lang="en-GB" sz="2400" dirty="0">
-                <a:solidFill>
-                  <a:schemeClr val="accent2">
-                    <a:lumMod val="25000"/>
-                  </a:schemeClr>
-                </a:solidFill>
-              </a:rPr>
-              <a:t>   labels on nodes and edges</a:t>
-            </a:r>
-          </a:p>
-          <a:p>
-            <a:endParaRPr lang="en-US" sz="2400" dirty="0">
-              <a:solidFill>
-                <a:schemeClr val="accent2">
-                  <a:lumMod val="25000"/>
-                </a:schemeClr>
-              </a:solidFill>
-            </a:endParaRPr>
-          </a:p>
-          <a:p>
-            <a:pPr marL="342900" indent="-342900">
-              <a:buFont typeface="Wingdings" panose="05000000000000000000" pitchFamily="2" charset="2"/>
-              <a:buChar char="v"/>
-            </a:pPr>
-            <a:endParaRPr lang="en-US" sz="2400" dirty="0">
-              <a:solidFill>
-                <a:schemeClr val="accent2">
-                  <a:lumMod val="25000"/>
-                </a:schemeClr>
-              </a:solidFill>
-            </a:endParaRPr>
-          </a:p>
-        </p:txBody>
-      </p:sp>
-      <p:sp>
-        <p:nvSpPr>
-          <p:cNvPr id="3" name="Rectangle 2">
-            <a:extLst>
-              <a:ext uri="{FF2B5EF4-FFF2-40B4-BE49-F238E27FC236}">
-                <a16:creationId xmlns:a16="http://schemas.microsoft.com/office/drawing/2014/main" id="{40FECE6A-371E-4BC1-B2AB-7939ED594134}"/>
-              </a:ext>
-            </a:extLst>
-          </p:cNvPr>
-          <p:cNvSpPr/>
-          <p:nvPr/>
-        </p:nvSpPr>
-        <p:spPr>
-          <a:xfrm>
-            <a:off x="0" y="561240"/>
-            <a:ext cx="4572000" cy="1569660"/>
-          </a:xfrm>
-          <a:prstGeom prst="rect">
-            <a:avLst/>
-          </a:prstGeom>
-        </p:spPr>
-        <p:txBody>
-          <a:bodyPr wrap="square">
-            <a:spAutoFit/>
-          </a:bodyPr>
-          <a:lstStyle/>
-          <a:p>
-            <a:r>
-              <a:rPr lang="en-GB" sz="2400" dirty="0">
-                <a:solidFill>
-                  <a:schemeClr val="accent2">
-                    <a:lumMod val="25000"/>
-                  </a:schemeClr>
-                </a:solidFill>
-              </a:rPr>
-              <a:t>#</a:t>
-            </a:r>
-            <a:r>
-              <a:rPr lang="en-GB" sz="2400" b="1" dirty="0">
-                <a:solidFill>
-                  <a:schemeClr val="accent2">
-                    <a:lumMod val="25000"/>
-                  </a:schemeClr>
-                </a:solidFill>
-              </a:rPr>
-              <a:t> Fleury's algorithm: </a:t>
-            </a:r>
-            <a:r>
-              <a:rPr lang="en-GB" sz="2400" dirty="0">
-                <a:solidFill>
-                  <a:schemeClr val="accent2">
-                    <a:lumMod val="25000"/>
-                  </a:schemeClr>
-                </a:solidFill>
-              </a:rPr>
-              <a:t>Finds </a:t>
+              <a:t>finds </a:t>
             </a:r>
           </a:p>
           <a:p>
@@ -27123,7 +25359,7 @@
 </p:sld>
 </file>
 
-<file path=ppt/slides/slide8.xml><?xml version="1.0" encoding="utf-8"?>
+<file path=ppt/slides/slide6.xml><?xml version="1.0" encoding="utf-8"?>
 <p:sld xmlns:a="http://schemas.openxmlformats.org/drawingml/2006/main" xmlns:r="http://schemas.openxmlformats.org/officeDocument/2006/relationships" xmlns:p="http://schemas.openxmlformats.org/presentationml/2006/main">
   <p:cSld>
     <p:spTree>
@@ -27741,7 +25977,7 @@
                 <a:latin typeface="Roboto Condensed Light"/>
                 <a:ea typeface="Roboto Condensed Light"/>
               </a:rPr>
-              <a:t>8</a:t>
+              <a:t>6</a:t>
             </a:fld>
             <a:endParaRPr lang="en-US" sz="1300" b="0" strike="noStrike" spc="-1">
               <a:latin typeface="Times New Roman"/>
@@ -27757,7 +25993,7 @@
 </p:sld>
 </file>
 
-<file path=ppt/slides/slide9.xml><?xml version="1.0" encoding="utf-8"?>
+<file path=ppt/slides/slide7.xml><?xml version="1.0" encoding="utf-8"?>
 <p:sld xmlns:a="http://schemas.openxmlformats.org/drawingml/2006/main" xmlns:r="http://schemas.openxmlformats.org/officeDocument/2006/relationships" xmlns:p="http://schemas.openxmlformats.org/presentationml/2006/main">
   <p:cSld>
     <p:spTree>
@@ -27877,7 +26113,7 @@
                 <a:latin typeface="Roboto Condensed Light"/>
                 <a:ea typeface="Roboto Condensed Light"/>
               </a:rPr>
-              <a:t>9</a:t>
+              <a:t>7</a:t>
             </a:fld>
             <a:endParaRPr lang="en-US" sz="1300" b="0" strike="noStrike" spc="-1">
               <a:latin typeface="Times New Roman"/>
@@ -27958,6 +26194,616 @@
         </p:spPr>
       </p:pic>
     </p:spTree>
+  </p:cSld>
+  <p:clrMapOvr>
+    <a:masterClrMapping/>
+  </p:clrMapOvr>
+</p:sld>
+</file>
+
+<file path=ppt/slides/slide8.xml><?xml version="1.0" encoding="utf-8"?>
+<p:sld xmlns:a="http://schemas.openxmlformats.org/drawingml/2006/main" xmlns:r="http://schemas.openxmlformats.org/officeDocument/2006/relationships" xmlns:p="http://schemas.openxmlformats.org/presentationml/2006/main">
+  <p:cSld>
+    <p:spTree>
+      <p:nvGrpSpPr>
+        <p:cNvPr id="1" name=""/>
+        <p:cNvGrpSpPr/>
+        <p:nvPr/>
+      </p:nvGrpSpPr>
+      <p:grpSpPr>
+        <a:xfrm>
+          <a:off x="0" y="0"/>
+          <a:ext cx="0" cy="0"/>
+          <a:chOff x="0" y="0"/>
+          <a:chExt cx="0" cy="0"/>
+        </a:xfrm>
+      </p:grpSpPr>
+      <p:sp>
+        <p:nvSpPr>
+          <p:cNvPr id="405" name="Google Shape;188;p28"/>
+          <p:cNvSpPr txBox="1"/>
+          <p:nvPr/>
+        </p:nvSpPr>
+        <p:spPr>
+          <a:xfrm>
+            <a:off x="592059" y="278949"/>
+            <a:ext cx="6782349" cy="690734"/>
+          </a:xfrm>
+          <a:prstGeom prst="rect">
+            <a:avLst/>
+          </a:prstGeom>
+          <a:noFill/>
+          <a:ln w="0">
+            <a:noFill/>
+          </a:ln>
+        </p:spPr>
+        <p:txBody>
+          <a:bodyPr tIns="91440" bIns="91440" anchor="b">
+            <a:noAutofit/>
+          </a:bodyPr>
+          <a:lstStyle/>
+          <a:p>
+            <a:pPr marL="285750" indent="-285750">
+              <a:buFont typeface="Wingdings" panose="05000000000000000000" pitchFamily="2" charset="2"/>
+              <a:buChar char="q"/>
+            </a:pPr>
+            <a:r>
+              <a:rPr lang="en-GB" sz="2400" b="1" dirty="0">
+                <a:solidFill>
+                  <a:schemeClr val="accent2">
+                    <a:lumMod val="25000"/>
+                  </a:schemeClr>
+                </a:solidFill>
+                <a:latin typeface="Exo 2"/>
+              </a:rPr>
+              <a:t>Buttons that will help a lot !</a:t>
+            </a:r>
+            <a:endParaRPr lang="en-US" sz="1800" b="0" strike="noStrike" spc="-1" dirty="0">
+              <a:solidFill>
+                <a:srgbClr val="000000"/>
+              </a:solidFill>
+              <a:latin typeface="Arial"/>
+            </a:endParaRPr>
+          </a:p>
+        </p:txBody>
+      </p:sp>
+      <p:sp>
+        <p:nvSpPr>
+          <p:cNvPr id="429" name="Google Shape;212;p28"/>
+          <p:cNvSpPr txBox="1"/>
+          <p:nvPr/>
+        </p:nvSpPr>
+        <p:spPr>
+          <a:xfrm>
+            <a:off x="8556840" y="4749840"/>
+            <a:ext cx="548280" cy="393120"/>
+          </a:xfrm>
+          <a:prstGeom prst="rect">
+            <a:avLst/>
+          </a:prstGeom>
+          <a:noFill/>
+          <a:ln w="0">
+            <a:noFill/>
+          </a:ln>
+        </p:spPr>
+        <p:txBody>
+          <a:bodyPr tIns="91440" bIns="91440">
+            <a:noAutofit/>
+          </a:bodyPr>
+          <a:lstStyle/>
+          <a:p>
+            <a:pPr algn="r">
+              <a:lnSpc>
+                <a:spcPct val="100000"/>
+              </a:lnSpc>
+              <a:tabLst>
+                <a:tab pos="0" algn="l"/>
+              </a:tabLst>
+            </a:pPr>
+            <a:fld id="{2AD349DC-5C03-4E5E-BD84-107774A88E0F}" type="slidenum">
+              <a:rPr lang="en" sz="1300" b="0" strike="noStrike" spc="-1">
+                <a:solidFill>
+                  <a:srgbClr val="434343"/>
+                </a:solidFill>
+                <a:latin typeface="Roboto Condensed Light"/>
+                <a:ea typeface="Roboto Condensed Light"/>
+              </a:rPr>
+              <a:t>8</a:t>
+            </a:fld>
+            <a:endParaRPr lang="en-US" sz="1300" b="0" strike="noStrike" spc="-1">
+              <a:latin typeface="Times New Roman"/>
+            </a:endParaRPr>
+          </a:p>
+        </p:txBody>
+      </p:sp>
+      <p:pic>
+        <p:nvPicPr>
+          <p:cNvPr id="4" name="Picture 3">
+            <a:extLst>
+              <a:ext uri="{FF2B5EF4-FFF2-40B4-BE49-F238E27FC236}">
+                <a16:creationId xmlns:a16="http://schemas.microsoft.com/office/drawing/2014/main" id="{D6E282A7-DCA7-427C-A46E-1F5A4DA29806}"/>
+              </a:ext>
+            </a:extLst>
+          </p:cNvPr>
+          <p:cNvPicPr>
+            <a:picLocks noChangeAspect="1"/>
+          </p:cNvPicPr>
+          <p:nvPr/>
+        </p:nvPicPr>
+        <p:blipFill>
+          <a:blip r:embed="rId2">
+            <a:extLst>
+              <a:ext uri="{28A0092B-C50C-407E-A947-70E740481C1C}">
+                <a14:useLocalDpi xmlns:a14="http://schemas.microsoft.com/office/drawing/2010/main" val="0"/>
+              </a:ext>
+            </a:extLst>
+          </a:blip>
+          <a:stretch>
+            <a:fillRect/>
+          </a:stretch>
+        </p:blipFill>
+        <p:spPr>
+          <a:xfrm>
+            <a:off x="763223" y="1617880"/>
+            <a:ext cx="644557" cy="628682"/>
+          </a:xfrm>
+          <a:prstGeom prst="rect">
+            <a:avLst/>
+          </a:prstGeom>
+        </p:spPr>
+      </p:pic>
+      <p:sp>
+        <p:nvSpPr>
+          <p:cNvPr id="8" name="Google Shape;188;p28">
+            <a:extLst>
+              <a:ext uri="{FF2B5EF4-FFF2-40B4-BE49-F238E27FC236}">
+                <a16:creationId xmlns:a16="http://schemas.microsoft.com/office/drawing/2014/main" id="{90F1C376-A51D-4423-BEE1-815A61B9FA6E}"/>
+              </a:ext>
+            </a:extLst>
+          </p:cNvPr>
+          <p:cNvSpPr txBox="1"/>
+          <p:nvPr/>
+        </p:nvSpPr>
+        <p:spPr>
+          <a:xfrm>
+            <a:off x="1774491" y="1617880"/>
+            <a:ext cx="6782349" cy="750350"/>
+          </a:xfrm>
+          <a:prstGeom prst="rect">
+            <a:avLst/>
+          </a:prstGeom>
+          <a:noFill/>
+          <a:ln w="0">
+            <a:noFill/>
+          </a:ln>
+        </p:spPr>
+        <p:txBody>
+          <a:bodyPr tIns="91440" bIns="91440" anchor="b">
+            <a:noAutofit/>
+          </a:bodyPr>
+          <a:lstStyle/>
+          <a:p>
+            <a:r>
+              <a:rPr lang="en-GB" sz="2400" spc="-1" dirty="0">
+                <a:solidFill>
+                  <a:schemeClr val="accent2">
+                    <a:lumMod val="25000"/>
+                  </a:schemeClr>
+                </a:solidFill>
+                <a:latin typeface="Arial"/>
+              </a:rPr>
+              <a:t>This is </a:t>
+            </a:r>
+            <a:r>
+              <a:rPr lang="en-GB" sz="2400" b="1" spc="-1" dirty="0">
+                <a:solidFill>
+                  <a:schemeClr val="accent2">
+                    <a:lumMod val="25000"/>
+                  </a:schemeClr>
+                </a:solidFill>
+                <a:latin typeface="Arial"/>
+              </a:rPr>
+              <a:t>Menu</a:t>
+            </a:r>
+            <a:r>
+              <a:rPr lang="en-GB" sz="2400" spc="-1" dirty="0">
+                <a:solidFill>
+                  <a:schemeClr val="accent2">
+                    <a:lumMod val="25000"/>
+                  </a:schemeClr>
+                </a:solidFill>
+                <a:latin typeface="Arial"/>
+              </a:rPr>
+              <a:t> button that will take user </a:t>
+            </a:r>
+          </a:p>
+          <a:p>
+            <a:r>
+              <a:rPr lang="en-GB" sz="2400" spc="-1" dirty="0">
+                <a:solidFill>
+                  <a:schemeClr val="accent2">
+                    <a:lumMod val="25000"/>
+                  </a:schemeClr>
+                </a:solidFill>
+                <a:latin typeface="Arial"/>
+              </a:rPr>
+              <a:t>to the graph algorithm names window</a:t>
+            </a:r>
+            <a:endParaRPr lang="en-US" sz="2400" b="0" strike="noStrike" spc="-1" dirty="0">
+              <a:solidFill>
+                <a:schemeClr val="accent2">
+                  <a:lumMod val="25000"/>
+                </a:schemeClr>
+              </a:solidFill>
+              <a:latin typeface="Arial"/>
+            </a:endParaRPr>
+          </a:p>
+        </p:txBody>
+      </p:sp>
+      <p:pic>
+        <p:nvPicPr>
+          <p:cNvPr id="7" name="Picture 6">
+            <a:extLst>
+              <a:ext uri="{FF2B5EF4-FFF2-40B4-BE49-F238E27FC236}">
+                <a16:creationId xmlns:a16="http://schemas.microsoft.com/office/drawing/2014/main" id="{DE21FD0E-E9CE-49D9-A9FB-F8EE3E8EE039}"/>
+              </a:ext>
+            </a:extLst>
+          </p:cNvPr>
+          <p:cNvPicPr>
+            <a:picLocks noChangeAspect="1"/>
+          </p:cNvPicPr>
+          <p:nvPr/>
+        </p:nvPicPr>
+        <p:blipFill>
+          <a:blip r:embed="rId3">
+            <a:extLst>
+              <a:ext uri="{28A0092B-C50C-407E-A947-70E740481C1C}">
+                <a14:useLocalDpi xmlns:a14="http://schemas.microsoft.com/office/drawing/2010/main" val="0"/>
+              </a:ext>
+            </a:extLst>
+          </a:blip>
+          <a:stretch>
+            <a:fillRect/>
+          </a:stretch>
+        </p:blipFill>
+        <p:spPr>
+          <a:xfrm>
+            <a:off x="2901209" y="3308944"/>
+            <a:ext cx="658429" cy="628682"/>
+          </a:xfrm>
+          <a:prstGeom prst="rect">
+            <a:avLst/>
+          </a:prstGeom>
+        </p:spPr>
+      </p:pic>
+      <p:sp>
+        <p:nvSpPr>
+          <p:cNvPr id="11" name="Google Shape;188;p28">
+            <a:extLst>
+              <a:ext uri="{FF2B5EF4-FFF2-40B4-BE49-F238E27FC236}">
+                <a16:creationId xmlns:a16="http://schemas.microsoft.com/office/drawing/2014/main" id="{61D34E4D-A18D-4939-9964-1FCB60A1EB5D}"/>
+              </a:ext>
+            </a:extLst>
+          </p:cNvPr>
+          <p:cNvSpPr txBox="1"/>
+          <p:nvPr/>
+        </p:nvSpPr>
+        <p:spPr>
+          <a:xfrm>
+            <a:off x="3836314" y="3144926"/>
+            <a:ext cx="5176708" cy="956717"/>
+          </a:xfrm>
+          <a:prstGeom prst="rect">
+            <a:avLst/>
+          </a:prstGeom>
+          <a:noFill/>
+          <a:ln w="0">
+            <a:noFill/>
+          </a:ln>
+        </p:spPr>
+        <p:txBody>
+          <a:bodyPr tIns="91440" bIns="91440" anchor="b">
+            <a:noAutofit/>
+          </a:bodyPr>
+          <a:lstStyle/>
+          <a:p>
+            <a:r>
+              <a:rPr lang="en-GB" sz="2400" b="0" strike="noStrike" spc="-1" dirty="0">
+                <a:solidFill>
+                  <a:schemeClr val="accent2">
+                    <a:lumMod val="25000"/>
+                  </a:schemeClr>
+                </a:solidFill>
+                <a:latin typeface="Arial"/>
+              </a:rPr>
+              <a:t>This </a:t>
+            </a:r>
+            <a:r>
+              <a:rPr lang="en-GB" sz="2400" b="1" strike="noStrike" spc="-1" dirty="0">
+                <a:solidFill>
+                  <a:schemeClr val="accent2">
+                    <a:lumMod val="25000"/>
+                  </a:schemeClr>
+                </a:solidFill>
+                <a:latin typeface="Arial"/>
+              </a:rPr>
+              <a:t>Previous window </a:t>
+            </a:r>
+            <a:r>
+              <a:rPr lang="en-GB" sz="2400" b="0" strike="noStrike" spc="-1" dirty="0">
+                <a:solidFill>
+                  <a:schemeClr val="accent2">
+                    <a:lumMod val="25000"/>
+                  </a:schemeClr>
+                </a:solidFill>
+                <a:latin typeface="Arial"/>
+              </a:rPr>
+              <a:t>button that will take user to the previous window</a:t>
+            </a:r>
+            <a:endParaRPr lang="en-US" sz="2400" b="0" strike="noStrike" spc="-1" dirty="0">
+              <a:solidFill>
+                <a:schemeClr val="accent2">
+                  <a:lumMod val="25000"/>
+                </a:schemeClr>
+              </a:solidFill>
+              <a:latin typeface="Arial"/>
+            </a:endParaRPr>
+          </a:p>
+        </p:txBody>
+      </p:sp>
+    </p:spTree>
+    <p:extLst>
+      <p:ext uri="{BB962C8B-B14F-4D97-AF65-F5344CB8AC3E}">
+        <p14:creationId xmlns:p14="http://schemas.microsoft.com/office/powerpoint/2010/main" val="3768827660"/>
+      </p:ext>
+    </p:extLst>
+  </p:cSld>
+  <p:clrMapOvr>
+    <a:masterClrMapping/>
+  </p:clrMapOvr>
+</p:sld>
+</file>
+
+<file path=ppt/slides/slide9.xml><?xml version="1.0" encoding="utf-8"?>
+<p:sld xmlns:a="http://schemas.openxmlformats.org/drawingml/2006/main" xmlns:r="http://schemas.openxmlformats.org/officeDocument/2006/relationships" xmlns:p="http://schemas.openxmlformats.org/presentationml/2006/main">
+  <p:cSld>
+    <p:spTree>
+      <p:nvGrpSpPr>
+        <p:cNvPr id="1" name=""/>
+        <p:cNvGrpSpPr/>
+        <p:nvPr/>
+      </p:nvGrpSpPr>
+      <p:grpSpPr>
+        <a:xfrm>
+          <a:off x="0" y="0"/>
+          <a:ext cx="0" cy="0"/>
+          <a:chOff x="0" y="0"/>
+          <a:chExt cx="0" cy="0"/>
+        </a:xfrm>
+      </p:grpSpPr>
+      <p:sp>
+        <p:nvSpPr>
+          <p:cNvPr id="405" name="Google Shape;188;p28"/>
+          <p:cNvSpPr txBox="1"/>
+          <p:nvPr/>
+        </p:nvSpPr>
+        <p:spPr>
+          <a:xfrm>
+            <a:off x="614977" y="292153"/>
+            <a:ext cx="5233236" cy="1069580"/>
+          </a:xfrm>
+          <a:prstGeom prst="rect">
+            <a:avLst/>
+          </a:prstGeom>
+          <a:noFill/>
+          <a:ln w="0">
+            <a:noFill/>
+          </a:ln>
+        </p:spPr>
+        <p:txBody>
+          <a:bodyPr tIns="91440" bIns="91440" anchor="b">
+            <a:noAutofit/>
+          </a:bodyPr>
+          <a:lstStyle/>
+          <a:p>
+            <a:pPr marL="285750" indent="-285750">
+              <a:buFont typeface="Wingdings" panose="05000000000000000000" pitchFamily="2" charset="2"/>
+              <a:buChar char="q"/>
+            </a:pPr>
+            <a:r>
+              <a:rPr lang="en-GB" sz="2400" b="1" strike="noStrike" spc="-1" dirty="0">
+                <a:solidFill>
+                  <a:schemeClr val="accent2">
+                    <a:lumMod val="25000"/>
+                  </a:schemeClr>
+                </a:solidFill>
+                <a:latin typeface="Exo 2"/>
+              </a:rPr>
+              <a:t>Clicking on the name</a:t>
+            </a:r>
+            <a:r>
+              <a:rPr lang="en-GB" sz="2400" b="1" spc="-1" dirty="0">
+                <a:solidFill>
+                  <a:schemeClr val="accent2">
+                    <a:lumMod val="25000"/>
+                  </a:schemeClr>
+                </a:solidFill>
+                <a:latin typeface="Exo 2"/>
+              </a:rPr>
+              <a:t>s will start the visualization process</a:t>
+            </a:r>
+            <a:endParaRPr lang="en-US" sz="1800" b="0" strike="noStrike" spc="-1" dirty="0">
+              <a:solidFill>
+                <a:srgbClr val="000000"/>
+              </a:solidFill>
+              <a:latin typeface="Arial"/>
+            </a:endParaRPr>
+          </a:p>
+        </p:txBody>
+      </p:sp>
+      <p:sp>
+        <p:nvSpPr>
+          <p:cNvPr id="429" name="Google Shape;212;p28"/>
+          <p:cNvSpPr txBox="1"/>
+          <p:nvPr/>
+        </p:nvSpPr>
+        <p:spPr>
+          <a:xfrm>
+            <a:off x="8556840" y="4749840"/>
+            <a:ext cx="548280" cy="393120"/>
+          </a:xfrm>
+          <a:prstGeom prst="rect">
+            <a:avLst/>
+          </a:prstGeom>
+          <a:noFill/>
+          <a:ln w="0">
+            <a:noFill/>
+          </a:ln>
+        </p:spPr>
+        <p:txBody>
+          <a:bodyPr tIns="91440" bIns="91440">
+            <a:noAutofit/>
+          </a:bodyPr>
+          <a:lstStyle/>
+          <a:p>
+            <a:pPr algn="r">
+              <a:lnSpc>
+                <a:spcPct val="100000"/>
+              </a:lnSpc>
+              <a:tabLst>
+                <a:tab pos="0" algn="l"/>
+              </a:tabLst>
+            </a:pPr>
+            <a:fld id="{2AD349DC-5C03-4E5E-BD84-107774A88E0F}" type="slidenum">
+              <a:rPr lang="en" sz="1300" b="0" strike="noStrike" spc="-1">
+                <a:solidFill>
+                  <a:srgbClr val="434343"/>
+                </a:solidFill>
+                <a:latin typeface="Roboto Condensed Light"/>
+                <a:ea typeface="Roboto Condensed Light"/>
+              </a:rPr>
+              <a:t>9</a:t>
+            </a:fld>
+            <a:endParaRPr lang="en-US" sz="1300" b="0" strike="noStrike" spc="-1">
+              <a:latin typeface="Times New Roman"/>
+            </a:endParaRPr>
+          </a:p>
+        </p:txBody>
+      </p:sp>
+      <p:pic>
+        <p:nvPicPr>
+          <p:cNvPr id="4" name="Picture 3">
+            <a:extLst>
+              <a:ext uri="{FF2B5EF4-FFF2-40B4-BE49-F238E27FC236}">
+                <a16:creationId xmlns:a16="http://schemas.microsoft.com/office/drawing/2014/main" id="{97A014FA-CC0D-48A9-9128-8536D847BCB1}"/>
+              </a:ext>
+            </a:extLst>
+          </p:cNvPr>
+          <p:cNvPicPr>
+            <a:picLocks noChangeAspect="1"/>
+          </p:cNvPicPr>
+          <p:nvPr/>
+        </p:nvPicPr>
+        <p:blipFill>
+          <a:blip r:embed="rId2">
+            <a:extLst>
+              <a:ext uri="{28A0092B-C50C-407E-A947-70E740481C1C}">
+                <a14:useLocalDpi xmlns:a14="http://schemas.microsoft.com/office/drawing/2010/main" val="0"/>
+              </a:ext>
+            </a:extLst>
+          </a:blip>
+          <a:stretch>
+            <a:fillRect/>
+          </a:stretch>
+        </p:blipFill>
+        <p:spPr>
+          <a:xfrm>
+            <a:off x="447609" y="1599776"/>
+            <a:ext cx="2525835" cy="1943948"/>
+          </a:xfrm>
+          <a:prstGeom prst="rect">
+            <a:avLst/>
+          </a:prstGeom>
+        </p:spPr>
+      </p:pic>
+      <p:pic>
+        <p:nvPicPr>
+          <p:cNvPr id="7" name="Picture 6">
+            <a:extLst>
+              <a:ext uri="{FF2B5EF4-FFF2-40B4-BE49-F238E27FC236}">
+                <a16:creationId xmlns:a16="http://schemas.microsoft.com/office/drawing/2014/main" id="{E187F74C-5FBB-471B-A441-BF50EDDB1299}"/>
+              </a:ext>
+            </a:extLst>
+          </p:cNvPr>
+          <p:cNvPicPr>
+            <a:picLocks noChangeAspect="1"/>
+          </p:cNvPicPr>
+          <p:nvPr/>
+        </p:nvPicPr>
+        <p:blipFill>
+          <a:blip r:embed="rId3">
+            <a:extLst>
+              <a:ext uri="{28A0092B-C50C-407E-A947-70E740481C1C}">
+                <a14:useLocalDpi xmlns:a14="http://schemas.microsoft.com/office/drawing/2010/main" val="0"/>
+              </a:ext>
+            </a:extLst>
+          </a:blip>
+          <a:stretch>
+            <a:fillRect/>
+          </a:stretch>
+        </p:blipFill>
+        <p:spPr>
+          <a:xfrm>
+            <a:off x="3231595" y="2316823"/>
+            <a:ext cx="2525836" cy="1943947"/>
+          </a:xfrm>
+          <a:prstGeom prst="rect">
+            <a:avLst/>
+          </a:prstGeom>
+        </p:spPr>
+      </p:pic>
+      <p:pic>
+        <p:nvPicPr>
+          <p:cNvPr id="11" name="Picture 10">
+            <a:extLst>
+              <a:ext uri="{FF2B5EF4-FFF2-40B4-BE49-F238E27FC236}">
+                <a16:creationId xmlns:a16="http://schemas.microsoft.com/office/drawing/2014/main" id="{4F402CD1-37E7-49F2-B75B-636C11504FB4}"/>
+              </a:ext>
+            </a:extLst>
+          </p:cNvPr>
+          <p:cNvPicPr>
+            <a:picLocks noChangeAspect="1"/>
+          </p:cNvPicPr>
+          <p:nvPr/>
+        </p:nvPicPr>
+        <p:blipFill>
+          <a:blip r:embed="rId4">
+            <a:extLst>
+              <a:ext uri="{28A0092B-C50C-407E-A947-70E740481C1C}">
+                <a14:useLocalDpi xmlns:a14="http://schemas.microsoft.com/office/drawing/2010/main" val="0"/>
+              </a:ext>
+            </a:extLst>
+          </a:blip>
+          <a:stretch>
+            <a:fillRect/>
+          </a:stretch>
+        </p:blipFill>
+        <p:spPr>
+          <a:xfrm>
+            <a:off x="6031005" y="2898912"/>
+            <a:ext cx="2525835" cy="1961715"/>
+          </a:xfrm>
+          <a:prstGeom prst="rect">
+            <a:avLst/>
+          </a:prstGeom>
+        </p:spPr>
+      </p:pic>
+    </p:spTree>
+    <p:extLst>
+      <p:ext uri="{BB962C8B-B14F-4D97-AF65-F5344CB8AC3E}">
+        <p14:creationId xmlns:p14="http://schemas.microsoft.com/office/powerpoint/2010/main" val="4156856634"/>
+      </p:ext>
+    </p:extLst>
   </p:cSld>
   <p:clrMapOvr>
     <a:masterClrMapping/>

--- a/SPL1_FinalExam_slides.pptx
+++ b/SPL1_FinalExam_slides.pptx
@@ -24270,27 +24270,7 @@
                 <a:latin typeface="Roboto Condensed Light"/>
                 <a:ea typeface="Roboto Condensed Light"/>
               </a:rPr>
-              <a:t> Dijkstra’s, Bellman Ford, Johnson’s</a:t>
-            </a:r>
-          </a:p>
-          <a:p>
-            <a:pPr>
-              <a:lnSpc>
-                <a:spcPct val="100000"/>
-              </a:lnSpc>
-              <a:tabLst>
-                <a:tab pos="0" algn="l"/>
-              </a:tabLst>
-            </a:pPr>
-            <a:r>
-              <a:rPr lang="en-GB" sz="2400" b="1" spc="-1" dirty="0">
-                <a:solidFill>
-                  <a:srgbClr val="434343"/>
-                </a:solidFill>
-                <a:latin typeface="Roboto Condensed Light"/>
-                <a:ea typeface="Roboto Condensed Light"/>
-              </a:rPr>
-              <a:t>                                    &amp; A* </a:t>
+              <a:t> Dijkstra’s, Bellman Ford &amp; Johnson’s 				   </a:t>
             </a:r>
             <a:r>
               <a:rPr lang="en-GB" sz="2400" spc="-1" dirty="0">
@@ -24300,7 +24280,7 @@
                 <a:latin typeface="Roboto Condensed Light"/>
                 <a:ea typeface="Roboto Condensed Light"/>
               </a:rPr>
-              <a:t>algorithms are used for finding the 				   shortest paths in graph</a:t>
+              <a:t>algorithms are used for finding the 				   	   shortest paths in graph</a:t>
             </a:r>
           </a:p>
           <a:p>

--- a/SPL1_FinalExam_slides.pptx
+++ b/SPL1_FinalExam_slides.pptx
@@ -23878,8 +23878,8 @@
         </p:nvSpPr>
         <p:spPr>
           <a:xfrm>
-            <a:off x="432736" y="1042560"/>
-            <a:ext cx="8398244" cy="4524315"/>
+            <a:off x="432736" y="1129737"/>
+            <a:ext cx="8398244" cy="4154984"/>
           </a:xfrm>
           <a:prstGeom prst="rect">
             <a:avLst/>
@@ -23972,22 +23972,6 @@
                 </a:solidFill>
               </a:rPr>
               <a:t> Ford algorithm</a:t>
-            </a:r>
-          </a:p>
-          <a:p>
-            <a:pPr marL="342900" indent="-342900">
-              <a:buFont typeface="Wingdings" panose="05000000000000000000" pitchFamily="2" charset="2"/>
-              <a:buChar char="v"/>
-            </a:pPr>
-            <a:r>
-              <a:rPr lang="en-US" sz="2400" dirty="0">
-                <a:solidFill>
-                  <a:schemeClr val="accent2">
-                    <a:lumMod val="25000"/>
-                  </a:schemeClr>
-                </a:solidFill>
-              </a:rPr>
-              <a:t>Johnson's algorithm</a:t>
             </a:r>
           </a:p>
           <a:p>
@@ -24270,7 +24254,7 @@
                 <a:latin typeface="Roboto Condensed Light"/>
                 <a:ea typeface="Roboto Condensed Light"/>
               </a:rPr>
-              <a:t> Dijkstra’s, Bellman Ford &amp; Johnson’s 				   </a:t>
+              <a:t> Dijkstra’s &amp; Bellman Ford </a:t>
             </a:r>
             <a:r>
               <a:rPr lang="en-GB" sz="2400" spc="-1" dirty="0">
@@ -24280,7 +24264,47 @@
                 <a:latin typeface="Roboto Condensed Light"/>
                 <a:ea typeface="Roboto Condensed Light"/>
               </a:rPr>
-              <a:t>algorithms are used for finding the 				   	   shortest paths in graph</a:t>
+              <a:t>algorithms</a:t>
+            </a:r>
+          </a:p>
+          <a:p>
+            <a:pPr>
+              <a:lnSpc>
+                <a:spcPct val="100000"/>
+              </a:lnSpc>
+              <a:tabLst>
+                <a:tab pos="0" algn="l"/>
+              </a:tabLst>
+            </a:pPr>
+            <a:r>
+              <a:rPr lang="en-GB" sz="2400" spc="-1" dirty="0">
+                <a:solidFill>
+                  <a:srgbClr val="434343"/>
+                </a:solidFill>
+                <a:latin typeface="Roboto Condensed Light"/>
+                <a:ea typeface="Roboto Condensed Light"/>
+              </a:rPr>
+              <a:t>				   are used for finding the shortest paths </a:t>
+            </a:r>
+          </a:p>
+          <a:p>
+            <a:pPr>
+              <a:lnSpc>
+                <a:spcPct val="100000"/>
+              </a:lnSpc>
+              <a:tabLst>
+                <a:tab pos="0" algn="l"/>
+              </a:tabLst>
+            </a:pPr>
+            <a:r>
+              <a:rPr lang="en-GB" sz="2400" spc="-1" dirty="0">
+                <a:solidFill>
+                  <a:srgbClr val="434343"/>
+                </a:solidFill>
+                <a:latin typeface="Roboto Condensed Light"/>
+                <a:ea typeface="Roboto Condensed Light"/>
+              </a:rPr>
+              <a:t>				   in graph</a:t>
             </a:r>
           </a:p>
           <a:p>

--- a/SPL1_FinalExam_slides.pptx
+++ b/SPL1_FinalExam_slides.pptx
@@ -19877,7 +19877,7 @@
               <a:t>Exam Roll</a:t>
             </a:r>
             <a:r>
-              <a:rPr lang="en" sz="2000" b="0" strike="noStrike" spc="-1" dirty="0">
+              <a:rPr lang="en" sz="2000" b="0" strike="noStrike" spc="-1">
                 <a:solidFill>
                   <a:srgbClr val="434343"/>
                 </a:solidFill>
@@ -19887,14 +19887,14 @@
               <a:t>: </a:t>
             </a:r>
             <a:r>
-              <a:rPr lang="en" sz="2000" b="1" strike="noStrike" spc="-1" dirty="0">
+              <a:rPr lang="en" sz="2000" b="1" spc="-1">
                 <a:solidFill>
                   <a:srgbClr val="434343"/>
                 </a:solidFill>
                 <a:latin typeface="Roboto Condensed"/>
-                <a:ea typeface="Roboto Condensed"/>
+                <a:ea typeface="Roboto Condensed Light"/>
               </a:rPr>
-              <a:t>60919</a:t>
+              <a:t>115509</a:t>
             </a:r>
             <a:endParaRPr lang="en-US" sz="2000" b="0" strike="noStrike" spc="-1" dirty="0">
               <a:latin typeface="Arial"/>
